--- a/캐릭터시리즈.pptx
+++ b/캐릭터시리즈.pptx
@@ -107,7 +107,16 @@
       </a:defRPr>
     </a:lvl9pPr>
   </p:defaultTextStyle>
+  <p:extLst>
+    <p:ext uri="{EFAFB233-063F-42B5-8137-9DF3F51BA10A}">
+      <p15:sldGuideLst xmlns:p15="http://schemas.microsoft.com/office/powerpoint/2012/main"/>
+    </p:ext>
+  </p:extLst>
 </p:presentation>
+</file>
+
+<file path=ppt/revisionInfo.xml><?xml version="1.0" encoding="utf-8"?>
+<p1510:revInfo xmlns:a="http://schemas.openxmlformats.org/drawingml/2006/main" xmlns:r="http://schemas.openxmlformats.org/officeDocument/2006/relationships" xmlns:p1510="http://schemas.microsoft.com/office/powerpoint/2015/10/main"/>
 </file>
 
 <file path=ppt/slideLayouts/slideLayout1.xml><?xml version="1.0" encoding="utf-8"?>
@@ -3353,31 +3362,6 @@
           </a:p>
         </p:txBody>
       </p:sp>
-      <p:sp>
-        <p:nvSpPr>
-          <p:cNvPr id="3" name="부제목 2">
-            <a:extLst>
-              <a:ext uri="{FF2B5EF4-FFF2-40B4-BE49-F238E27FC236}">
-                <a16:creationId xmlns:a16="http://schemas.microsoft.com/office/drawing/2014/main" id="{5E5A1404-6A9C-4D80-8030-38ECAA00B636}"/>
-              </a:ext>
-            </a:extLst>
-          </p:cNvPr>
-          <p:cNvSpPr>
-            <a:spLocks noGrp="1"/>
-          </p:cNvSpPr>
-          <p:nvPr>
-            <p:ph type="subTitle" idx="1"/>
-          </p:nvPr>
-        </p:nvSpPr>
-        <p:spPr/>
-        <p:txBody>
-          <a:bodyPr/>
-          <a:lstStyle/>
-          <a:p>
-            <a:endParaRPr lang="ko-KR" altLang="en-US" dirty="0"/>
-          </a:p>
-        </p:txBody>
-      </p:sp>
     </p:spTree>
     <p:extLst>
       <p:ext uri="{BB962C8B-B14F-4D97-AF65-F5344CB8AC3E}">
@@ -3480,6 +3464,41 @@
           </a:prstGeom>
         </p:spPr>
       </p:pic>
+      <p:sp>
+        <p:nvSpPr>
+          <p:cNvPr id="2" name="TextBox 1">
+            <a:extLst>
+              <a:ext uri="{FF2B5EF4-FFF2-40B4-BE49-F238E27FC236}">
+                <a16:creationId xmlns:a16="http://schemas.microsoft.com/office/drawing/2014/main" id="{000D5BC2-E81E-4D90-9F15-7F089B98593E}"/>
+              </a:ext>
+            </a:extLst>
+          </p:cNvPr>
+          <p:cNvSpPr txBox="1"/>
+          <p:nvPr/>
+        </p:nvSpPr>
+        <p:spPr>
+          <a:xfrm>
+            <a:off x="4897766" y="4588778"/>
+            <a:ext cx="4724406" cy="369332"/>
+          </a:xfrm>
+          <a:prstGeom prst="rect">
+            <a:avLst/>
+          </a:prstGeom>
+          <a:noFill/>
+        </p:spPr>
+        <p:txBody>
+          <a:bodyPr wrap="square" rtlCol="0">
+            <a:spAutoFit/>
+          </a:bodyPr>
+          <a:lstStyle/>
+          <a:p>
+            <a:r>
+              <a:rPr lang="ko-KR" altLang="en-US" dirty="0"/>
+              <a:t>마술모자 캐릭터</a:t>
+            </a:r>
+          </a:p>
+        </p:txBody>
+      </p:sp>
     </p:spTree>
     <p:extLst>
       <p:ext uri="{BB962C8B-B14F-4D97-AF65-F5344CB8AC3E}">
@@ -3618,6 +3637,116 @@
           </a:prstGeom>
         </p:spPr>
       </p:pic>
+      <p:sp>
+        <p:nvSpPr>
+          <p:cNvPr id="2" name="TextBox 1">
+            <a:extLst>
+              <a:ext uri="{FF2B5EF4-FFF2-40B4-BE49-F238E27FC236}">
+                <a16:creationId xmlns:a16="http://schemas.microsoft.com/office/drawing/2014/main" id="{A3ECFA3F-54E5-49C3-81D1-0530169E220B}"/>
+              </a:ext>
+            </a:extLst>
+          </p:cNvPr>
+          <p:cNvSpPr txBox="1"/>
+          <p:nvPr/>
+        </p:nvSpPr>
+        <p:spPr>
+          <a:xfrm>
+            <a:off x="3867325" y="1174459"/>
+            <a:ext cx="3439486" cy="369332"/>
+          </a:xfrm>
+          <a:prstGeom prst="rect">
+            <a:avLst/>
+          </a:prstGeom>
+          <a:noFill/>
+        </p:spPr>
+        <p:txBody>
+          <a:bodyPr wrap="square" rtlCol="0">
+            <a:spAutoFit/>
+          </a:bodyPr>
+          <a:lstStyle/>
+          <a:p>
+            <a:r>
+              <a:rPr lang="ko-KR" altLang="en-US" dirty="0"/>
+              <a:t>고니의 빨간 마이</a:t>
+            </a:r>
+          </a:p>
+        </p:txBody>
+      </p:sp>
+      <p:sp>
+        <p:nvSpPr>
+          <p:cNvPr id="3" name="TextBox 2">
+            <a:extLst>
+              <a:ext uri="{FF2B5EF4-FFF2-40B4-BE49-F238E27FC236}">
+                <a16:creationId xmlns:a16="http://schemas.microsoft.com/office/drawing/2014/main" id="{94D8A36C-9473-49B9-83E9-C884C7DCB002}"/>
+              </a:ext>
+            </a:extLst>
+          </p:cNvPr>
+          <p:cNvSpPr txBox="1"/>
+          <p:nvPr/>
+        </p:nvSpPr>
+        <p:spPr>
+          <a:xfrm>
+            <a:off x="8934275" y="4077050"/>
+            <a:ext cx="2667699" cy="369332"/>
+          </a:xfrm>
+          <a:prstGeom prst="rect">
+            <a:avLst/>
+          </a:prstGeom>
+          <a:noFill/>
+        </p:spPr>
+        <p:txBody>
+          <a:bodyPr wrap="square" rtlCol="0">
+            <a:spAutoFit/>
+          </a:bodyPr>
+          <a:lstStyle/>
+          <a:p>
+            <a:r>
+              <a:rPr lang="ko-KR" altLang="en-US" dirty="0"/>
+              <a:t>아귀의 </a:t>
+            </a:r>
+            <a:r>
+              <a:rPr lang="ko-KR" altLang="en-US" dirty="0" err="1"/>
+              <a:t>썬글라스</a:t>
+            </a:r>
+            <a:endParaRPr lang="ko-KR" altLang="en-US" dirty="0"/>
+          </a:p>
+        </p:txBody>
+      </p:sp>
+      <p:sp>
+        <p:nvSpPr>
+          <p:cNvPr id="4" name="TextBox 3">
+            <a:extLst>
+              <a:ext uri="{FF2B5EF4-FFF2-40B4-BE49-F238E27FC236}">
+                <a16:creationId xmlns:a16="http://schemas.microsoft.com/office/drawing/2014/main" id="{2115E22B-9193-4A64-A21C-B4411C568649}"/>
+              </a:ext>
+            </a:extLst>
+          </p:cNvPr>
+          <p:cNvSpPr txBox="1"/>
+          <p:nvPr/>
+        </p:nvSpPr>
+        <p:spPr>
+          <a:xfrm>
+            <a:off x="8498048" y="5855516"/>
+            <a:ext cx="3306843" cy="369332"/>
+          </a:xfrm>
+          <a:prstGeom prst="rect">
+            <a:avLst/>
+          </a:prstGeom>
+          <a:noFill/>
+        </p:spPr>
+        <p:txBody>
+          <a:bodyPr wrap="square" rtlCol="0">
+            <a:spAutoFit/>
+          </a:bodyPr>
+          <a:lstStyle/>
+          <a:p>
+            <a:r>
+              <a:rPr lang="ko-KR" altLang="en-US" dirty="0"/>
+              <a:t>정마담의 꽃무늬 원피스</a:t>
+            </a:r>
+          </a:p>
+        </p:txBody>
+      </p:sp>
     </p:spTree>
     <p:extLst>
       <p:ext uri="{BB962C8B-B14F-4D97-AF65-F5344CB8AC3E}">

--- a/캐릭터시리즈.pptx
+++ b/캐릭터시리즈.pptx
@@ -7,8 +7,12 @@
   <p:sldIdLst>
     <p:sldId id="256" r:id="rId2"/>
     <p:sldId id="257" r:id="rId3"/>
-    <p:sldId id="258" r:id="rId4"/>
-    <p:sldId id="259" r:id="rId5"/>
+    <p:sldId id="260" r:id="rId4"/>
+    <p:sldId id="263" r:id="rId5"/>
+    <p:sldId id="261" r:id="rId6"/>
+    <p:sldId id="262" r:id="rId7"/>
+    <p:sldId id="258" r:id="rId8"/>
+    <p:sldId id="259" r:id="rId9"/>
   </p:sldIdLst>
   <p:sldSz cx="12192000" cy="6858000"/>
   <p:notesSz cx="6858000" cy="9144000"/>
@@ -109,7 +113,7 @@
   </p:defaultTextStyle>
   <p:extLst>
     <p:ext uri="{EFAFB233-063F-42B5-8137-9DF3F51BA10A}">
-      <p15:sldGuideLst xmlns:p15="http://schemas.microsoft.com/office/powerpoint/2012/main"/>
+      <p15:sldGuideLst xmlns:p15="http://schemas.microsoft.com/office/powerpoint/2012/main" xmlns=""/>
     </p:ext>
   </p:extLst>
 </p:presentation>
@@ -141,7 +145,7 @@
           <p:cNvPr id="2" name="제목 1">
             <a:extLst>
               <a:ext uri="{FF2B5EF4-FFF2-40B4-BE49-F238E27FC236}">
-                <a16:creationId xmlns:a16="http://schemas.microsoft.com/office/drawing/2014/main" id="{F5C8124D-26D4-4529-AA88-403FCC28C67E}"/>
+                <a16:creationId xmlns:a16="http://schemas.microsoft.com/office/drawing/2014/main" xmlns="" id="{F5C8124D-26D4-4529-AA88-403FCC28C67E}"/>
               </a:ext>
             </a:extLst>
           </p:cNvPr>
@@ -178,7 +182,7 @@
           <p:cNvPr id="3" name="부제목 2">
             <a:extLst>
               <a:ext uri="{FF2B5EF4-FFF2-40B4-BE49-F238E27FC236}">
-                <a16:creationId xmlns:a16="http://schemas.microsoft.com/office/drawing/2014/main" id="{1708824E-6101-47A3-A480-C199B8398C82}"/>
+                <a16:creationId xmlns:a16="http://schemas.microsoft.com/office/drawing/2014/main" xmlns="" id="{1708824E-6101-47A3-A480-C199B8398C82}"/>
               </a:ext>
             </a:extLst>
           </p:cNvPr>
@@ -248,7 +252,7 @@
           <p:cNvPr id="4" name="날짜 개체 틀 3">
             <a:extLst>
               <a:ext uri="{FF2B5EF4-FFF2-40B4-BE49-F238E27FC236}">
-                <a16:creationId xmlns:a16="http://schemas.microsoft.com/office/drawing/2014/main" id="{570371D5-2557-484E-981F-80E6C9D4A0EB}"/>
+                <a16:creationId xmlns:a16="http://schemas.microsoft.com/office/drawing/2014/main" xmlns="" id="{570371D5-2557-484E-981F-80E6C9D4A0EB}"/>
               </a:ext>
             </a:extLst>
           </p:cNvPr>
@@ -266,7 +270,7 @@
           <a:p>
             <a:fld id="{A42A4438-901F-458B-9C9D-689092135E7A}" type="datetimeFigureOut">
               <a:rPr lang="ko-KR" altLang="en-US" smtClean="0"/>
-              <a:t>2017-07-12</a:t>
+              <a:t>2017-12-02</a:t>
             </a:fld>
             <a:endParaRPr lang="ko-KR" altLang="en-US"/>
           </a:p>
@@ -277,7 +281,7 @@
           <p:cNvPr id="5" name="바닥글 개체 틀 4">
             <a:extLst>
               <a:ext uri="{FF2B5EF4-FFF2-40B4-BE49-F238E27FC236}">
-                <a16:creationId xmlns:a16="http://schemas.microsoft.com/office/drawing/2014/main" id="{E1C5A025-69CB-46D4-A58E-069B7AF1929E}"/>
+                <a16:creationId xmlns:a16="http://schemas.microsoft.com/office/drawing/2014/main" xmlns="" id="{E1C5A025-69CB-46D4-A58E-069B7AF1929E}"/>
               </a:ext>
             </a:extLst>
           </p:cNvPr>
@@ -302,7 +306,7 @@
           <p:cNvPr id="6" name="슬라이드 번호 개체 틀 5">
             <a:extLst>
               <a:ext uri="{FF2B5EF4-FFF2-40B4-BE49-F238E27FC236}">
-                <a16:creationId xmlns:a16="http://schemas.microsoft.com/office/drawing/2014/main" id="{4003DFE6-3BAD-439B-AF92-E683418C90F4}"/>
+                <a16:creationId xmlns:a16="http://schemas.microsoft.com/office/drawing/2014/main" xmlns="" id="{4003DFE6-3BAD-439B-AF92-E683418C90F4}"/>
               </a:ext>
             </a:extLst>
           </p:cNvPr>
@@ -361,7 +365,7 @@
           <p:cNvPr id="2" name="제목 1">
             <a:extLst>
               <a:ext uri="{FF2B5EF4-FFF2-40B4-BE49-F238E27FC236}">
-                <a16:creationId xmlns:a16="http://schemas.microsoft.com/office/drawing/2014/main" id="{E8573731-5565-495C-BA25-B4F1C8796012}"/>
+                <a16:creationId xmlns:a16="http://schemas.microsoft.com/office/drawing/2014/main" xmlns="" id="{E8573731-5565-495C-BA25-B4F1C8796012}"/>
               </a:ext>
             </a:extLst>
           </p:cNvPr>
@@ -389,7 +393,7 @@
           <p:cNvPr id="3" name="세로 텍스트 개체 틀 2">
             <a:extLst>
               <a:ext uri="{FF2B5EF4-FFF2-40B4-BE49-F238E27FC236}">
-                <a16:creationId xmlns:a16="http://schemas.microsoft.com/office/drawing/2014/main" id="{1281B473-89EA-4D3C-BED5-357563096D39}"/>
+                <a16:creationId xmlns:a16="http://schemas.microsoft.com/office/drawing/2014/main" xmlns="" id="{1281B473-89EA-4D3C-BED5-357563096D39}"/>
               </a:ext>
             </a:extLst>
           </p:cNvPr>
@@ -446,7 +450,7 @@
           <p:cNvPr id="4" name="날짜 개체 틀 3">
             <a:extLst>
               <a:ext uri="{FF2B5EF4-FFF2-40B4-BE49-F238E27FC236}">
-                <a16:creationId xmlns:a16="http://schemas.microsoft.com/office/drawing/2014/main" id="{BC89721D-AF1C-420C-ACFB-4DE651D8B1C8}"/>
+                <a16:creationId xmlns:a16="http://schemas.microsoft.com/office/drawing/2014/main" xmlns="" id="{BC89721D-AF1C-420C-ACFB-4DE651D8B1C8}"/>
               </a:ext>
             </a:extLst>
           </p:cNvPr>
@@ -464,7 +468,7 @@
           <a:p>
             <a:fld id="{A42A4438-901F-458B-9C9D-689092135E7A}" type="datetimeFigureOut">
               <a:rPr lang="ko-KR" altLang="en-US" smtClean="0"/>
-              <a:t>2017-07-12</a:t>
+              <a:t>2017-12-02</a:t>
             </a:fld>
             <a:endParaRPr lang="ko-KR" altLang="en-US"/>
           </a:p>
@@ -475,7 +479,7 @@
           <p:cNvPr id="5" name="바닥글 개체 틀 4">
             <a:extLst>
               <a:ext uri="{FF2B5EF4-FFF2-40B4-BE49-F238E27FC236}">
-                <a16:creationId xmlns:a16="http://schemas.microsoft.com/office/drawing/2014/main" id="{F3B16CA5-B3C7-4220-92B6-7549DB8B0E8D}"/>
+                <a16:creationId xmlns:a16="http://schemas.microsoft.com/office/drawing/2014/main" xmlns="" id="{F3B16CA5-B3C7-4220-92B6-7549DB8B0E8D}"/>
               </a:ext>
             </a:extLst>
           </p:cNvPr>
@@ -500,7 +504,7 @@
           <p:cNvPr id="6" name="슬라이드 번호 개체 틀 5">
             <a:extLst>
               <a:ext uri="{FF2B5EF4-FFF2-40B4-BE49-F238E27FC236}">
-                <a16:creationId xmlns:a16="http://schemas.microsoft.com/office/drawing/2014/main" id="{CCDB6C51-71DE-452A-BF4B-1CFCA1B9A602}"/>
+                <a16:creationId xmlns:a16="http://schemas.microsoft.com/office/drawing/2014/main" xmlns="" id="{CCDB6C51-71DE-452A-BF4B-1CFCA1B9A602}"/>
               </a:ext>
             </a:extLst>
           </p:cNvPr>
@@ -559,7 +563,7 @@
           <p:cNvPr id="2" name="세로 제목 1">
             <a:extLst>
               <a:ext uri="{FF2B5EF4-FFF2-40B4-BE49-F238E27FC236}">
-                <a16:creationId xmlns:a16="http://schemas.microsoft.com/office/drawing/2014/main" id="{5247A3A7-9A53-4366-B2D1-6873575B6DCD}"/>
+                <a16:creationId xmlns:a16="http://schemas.microsoft.com/office/drawing/2014/main" xmlns="" id="{5247A3A7-9A53-4366-B2D1-6873575B6DCD}"/>
               </a:ext>
             </a:extLst>
           </p:cNvPr>
@@ -592,7 +596,7 @@
           <p:cNvPr id="3" name="세로 텍스트 개체 틀 2">
             <a:extLst>
               <a:ext uri="{FF2B5EF4-FFF2-40B4-BE49-F238E27FC236}">
-                <a16:creationId xmlns:a16="http://schemas.microsoft.com/office/drawing/2014/main" id="{4BB7B23E-ED64-4215-8F00-9DEB0EC47C8B}"/>
+                <a16:creationId xmlns:a16="http://schemas.microsoft.com/office/drawing/2014/main" xmlns="" id="{4BB7B23E-ED64-4215-8F00-9DEB0EC47C8B}"/>
               </a:ext>
             </a:extLst>
           </p:cNvPr>
@@ -654,7 +658,7 @@
           <p:cNvPr id="4" name="날짜 개체 틀 3">
             <a:extLst>
               <a:ext uri="{FF2B5EF4-FFF2-40B4-BE49-F238E27FC236}">
-                <a16:creationId xmlns:a16="http://schemas.microsoft.com/office/drawing/2014/main" id="{FECB5D85-BB80-4A3E-BF80-9C5F54BE6455}"/>
+                <a16:creationId xmlns:a16="http://schemas.microsoft.com/office/drawing/2014/main" xmlns="" id="{FECB5D85-BB80-4A3E-BF80-9C5F54BE6455}"/>
               </a:ext>
             </a:extLst>
           </p:cNvPr>
@@ -672,7 +676,7 @@
           <a:p>
             <a:fld id="{A42A4438-901F-458B-9C9D-689092135E7A}" type="datetimeFigureOut">
               <a:rPr lang="ko-KR" altLang="en-US" smtClean="0"/>
-              <a:t>2017-07-12</a:t>
+              <a:t>2017-12-02</a:t>
             </a:fld>
             <a:endParaRPr lang="ko-KR" altLang="en-US"/>
           </a:p>
@@ -683,7 +687,7 @@
           <p:cNvPr id="5" name="바닥글 개체 틀 4">
             <a:extLst>
               <a:ext uri="{FF2B5EF4-FFF2-40B4-BE49-F238E27FC236}">
-                <a16:creationId xmlns:a16="http://schemas.microsoft.com/office/drawing/2014/main" id="{D296A261-F634-4ED9-BE63-A16B0B6C5FDE}"/>
+                <a16:creationId xmlns:a16="http://schemas.microsoft.com/office/drawing/2014/main" xmlns="" id="{D296A261-F634-4ED9-BE63-A16B0B6C5FDE}"/>
               </a:ext>
             </a:extLst>
           </p:cNvPr>
@@ -708,7 +712,7 @@
           <p:cNvPr id="6" name="슬라이드 번호 개체 틀 5">
             <a:extLst>
               <a:ext uri="{FF2B5EF4-FFF2-40B4-BE49-F238E27FC236}">
-                <a16:creationId xmlns:a16="http://schemas.microsoft.com/office/drawing/2014/main" id="{C5AA155D-5583-4DA7-ACDC-0DF4DB125A5E}"/>
+                <a16:creationId xmlns:a16="http://schemas.microsoft.com/office/drawing/2014/main" xmlns="" id="{C5AA155D-5583-4DA7-ACDC-0DF4DB125A5E}"/>
               </a:ext>
             </a:extLst>
           </p:cNvPr>
@@ -767,7 +771,7 @@
           <p:cNvPr id="2" name="제목 1">
             <a:extLst>
               <a:ext uri="{FF2B5EF4-FFF2-40B4-BE49-F238E27FC236}">
-                <a16:creationId xmlns:a16="http://schemas.microsoft.com/office/drawing/2014/main" id="{D893CC9C-690E-4B2D-B863-F86899F5FDDB}"/>
+                <a16:creationId xmlns:a16="http://schemas.microsoft.com/office/drawing/2014/main" xmlns="" id="{D893CC9C-690E-4B2D-B863-F86899F5FDDB}"/>
               </a:ext>
             </a:extLst>
           </p:cNvPr>
@@ -795,7 +799,7 @@
           <p:cNvPr id="3" name="내용 개체 틀 2">
             <a:extLst>
               <a:ext uri="{FF2B5EF4-FFF2-40B4-BE49-F238E27FC236}">
-                <a16:creationId xmlns:a16="http://schemas.microsoft.com/office/drawing/2014/main" id="{5C030860-5576-47CE-B128-77523A8CBB3A}"/>
+                <a16:creationId xmlns:a16="http://schemas.microsoft.com/office/drawing/2014/main" xmlns="" id="{5C030860-5576-47CE-B128-77523A8CBB3A}"/>
               </a:ext>
             </a:extLst>
           </p:cNvPr>
@@ -852,7 +856,7 @@
           <p:cNvPr id="4" name="날짜 개체 틀 3">
             <a:extLst>
               <a:ext uri="{FF2B5EF4-FFF2-40B4-BE49-F238E27FC236}">
-                <a16:creationId xmlns:a16="http://schemas.microsoft.com/office/drawing/2014/main" id="{6424CB41-600D-4377-B542-01C0CEB8051F}"/>
+                <a16:creationId xmlns:a16="http://schemas.microsoft.com/office/drawing/2014/main" xmlns="" id="{6424CB41-600D-4377-B542-01C0CEB8051F}"/>
               </a:ext>
             </a:extLst>
           </p:cNvPr>
@@ -870,7 +874,7 @@
           <a:p>
             <a:fld id="{A42A4438-901F-458B-9C9D-689092135E7A}" type="datetimeFigureOut">
               <a:rPr lang="ko-KR" altLang="en-US" smtClean="0"/>
-              <a:t>2017-07-12</a:t>
+              <a:t>2017-12-02</a:t>
             </a:fld>
             <a:endParaRPr lang="ko-KR" altLang="en-US"/>
           </a:p>
@@ -881,7 +885,7 @@
           <p:cNvPr id="5" name="바닥글 개체 틀 4">
             <a:extLst>
               <a:ext uri="{FF2B5EF4-FFF2-40B4-BE49-F238E27FC236}">
-                <a16:creationId xmlns:a16="http://schemas.microsoft.com/office/drawing/2014/main" id="{C43377BE-8B86-412A-8C11-51C6D76F80D5}"/>
+                <a16:creationId xmlns:a16="http://schemas.microsoft.com/office/drawing/2014/main" xmlns="" id="{C43377BE-8B86-412A-8C11-51C6D76F80D5}"/>
               </a:ext>
             </a:extLst>
           </p:cNvPr>
@@ -906,7 +910,7 @@
           <p:cNvPr id="6" name="슬라이드 번호 개체 틀 5">
             <a:extLst>
               <a:ext uri="{FF2B5EF4-FFF2-40B4-BE49-F238E27FC236}">
-                <a16:creationId xmlns:a16="http://schemas.microsoft.com/office/drawing/2014/main" id="{BF7B3720-4A0F-4862-BA30-86853BFA0D16}"/>
+                <a16:creationId xmlns:a16="http://schemas.microsoft.com/office/drawing/2014/main" xmlns="" id="{BF7B3720-4A0F-4862-BA30-86853BFA0D16}"/>
               </a:ext>
             </a:extLst>
           </p:cNvPr>
@@ -965,7 +969,7 @@
           <p:cNvPr id="2" name="제목 1">
             <a:extLst>
               <a:ext uri="{FF2B5EF4-FFF2-40B4-BE49-F238E27FC236}">
-                <a16:creationId xmlns:a16="http://schemas.microsoft.com/office/drawing/2014/main" id="{5432EAD3-0AA7-4DDA-A902-26638381C97B}"/>
+                <a16:creationId xmlns:a16="http://schemas.microsoft.com/office/drawing/2014/main" xmlns="" id="{5432EAD3-0AA7-4DDA-A902-26638381C97B}"/>
               </a:ext>
             </a:extLst>
           </p:cNvPr>
@@ -1002,7 +1006,7 @@
           <p:cNvPr id="3" name="텍스트 개체 틀 2">
             <a:extLst>
               <a:ext uri="{FF2B5EF4-FFF2-40B4-BE49-F238E27FC236}">
-                <a16:creationId xmlns:a16="http://schemas.microsoft.com/office/drawing/2014/main" id="{E8ED379F-9B89-4D92-A758-D4720A393C0B}"/>
+                <a16:creationId xmlns:a16="http://schemas.microsoft.com/office/drawing/2014/main" xmlns="" id="{E8ED379F-9B89-4D92-A758-D4720A393C0B}"/>
               </a:ext>
             </a:extLst>
           </p:cNvPr>
@@ -1127,7 +1131,7 @@
           <p:cNvPr id="4" name="날짜 개체 틀 3">
             <a:extLst>
               <a:ext uri="{FF2B5EF4-FFF2-40B4-BE49-F238E27FC236}">
-                <a16:creationId xmlns:a16="http://schemas.microsoft.com/office/drawing/2014/main" id="{25D905CA-65E8-4E8F-B87C-7D48CBABC4BB}"/>
+                <a16:creationId xmlns:a16="http://schemas.microsoft.com/office/drawing/2014/main" xmlns="" id="{25D905CA-65E8-4E8F-B87C-7D48CBABC4BB}"/>
               </a:ext>
             </a:extLst>
           </p:cNvPr>
@@ -1145,7 +1149,7 @@
           <a:p>
             <a:fld id="{A42A4438-901F-458B-9C9D-689092135E7A}" type="datetimeFigureOut">
               <a:rPr lang="ko-KR" altLang="en-US" smtClean="0"/>
-              <a:t>2017-07-12</a:t>
+              <a:t>2017-12-02</a:t>
             </a:fld>
             <a:endParaRPr lang="ko-KR" altLang="en-US"/>
           </a:p>
@@ -1156,7 +1160,7 @@
           <p:cNvPr id="5" name="바닥글 개체 틀 4">
             <a:extLst>
               <a:ext uri="{FF2B5EF4-FFF2-40B4-BE49-F238E27FC236}">
-                <a16:creationId xmlns:a16="http://schemas.microsoft.com/office/drawing/2014/main" id="{179CC6F4-6533-4F0C-A474-3415068D213E}"/>
+                <a16:creationId xmlns:a16="http://schemas.microsoft.com/office/drawing/2014/main" xmlns="" id="{179CC6F4-6533-4F0C-A474-3415068D213E}"/>
               </a:ext>
             </a:extLst>
           </p:cNvPr>
@@ -1181,7 +1185,7 @@
           <p:cNvPr id="6" name="슬라이드 번호 개체 틀 5">
             <a:extLst>
               <a:ext uri="{FF2B5EF4-FFF2-40B4-BE49-F238E27FC236}">
-                <a16:creationId xmlns:a16="http://schemas.microsoft.com/office/drawing/2014/main" id="{6A4DF8D3-96D9-4EA5-954F-1DF6F8FD648A}"/>
+                <a16:creationId xmlns:a16="http://schemas.microsoft.com/office/drawing/2014/main" xmlns="" id="{6A4DF8D3-96D9-4EA5-954F-1DF6F8FD648A}"/>
               </a:ext>
             </a:extLst>
           </p:cNvPr>
@@ -1240,7 +1244,7 @@
           <p:cNvPr id="2" name="제목 1">
             <a:extLst>
               <a:ext uri="{FF2B5EF4-FFF2-40B4-BE49-F238E27FC236}">
-                <a16:creationId xmlns:a16="http://schemas.microsoft.com/office/drawing/2014/main" id="{EFED7EBF-2B9C-4FF3-B8DC-D0101CD73342}"/>
+                <a16:creationId xmlns:a16="http://schemas.microsoft.com/office/drawing/2014/main" xmlns="" id="{EFED7EBF-2B9C-4FF3-B8DC-D0101CD73342}"/>
               </a:ext>
             </a:extLst>
           </p:cNvPr>
@@ -1268,7 +1272,7 @@
           <p:cNvPr id="3" name="내용 개체 틀 2">
             <a:extLst>
               <a:ext uri="{FF2B5EF4-FFF2-40B4-BE49-F238E27FC236}">
-                <a16:creationId xmlns:a16="http://schemas.microsoft.com/office/drawing/2014/main" id="{A8C2DE92-2C65-4A8B-8996-83F66777C896}"/>
+                <a16:creationId xmlns:a16="http://schemas.microsoft.com/office/drawing/2014/main" xmlns="" id="{A8C2DE92-2C65-4A8B-8996-83F66777C896}"/>
               </a:ext>
             </a:extLst>
           </p:cNvPr>
@@ -1330,7 +1334,7 @@
           <p:cNvPr id="4" name="내용 개체 틀 3">
             <a:extLst>
               <a:ext uri="{FF2B5EF4-FFF2-40B4-BE49-F238E27FC236}">
-                <a16:creationId xmlns:a16="http://schemas.microsoft.com/office/drawing/2014/main" id="{0F1FA369-717E-4B31-895F-BB3C07F4D8EA}"/>
+                <a16:creationId xmlns:a16="http://schemas.microsoft.com/office/drawing/2014/main" xmlns="" id="{0F1FA369-717E-4B31-895F-BB3C07F4D8EA}"/>
               </a:ext>
             </a:extLst>
           </p:cNvPr>
@@ -1392,7 +1396,7 @@
           <p:cNvPr id="5" name="날짜 개체 틀 4">
             <a:extLst>
               <a:ext uri="{FF2B5EF4-FFF2-40B4-BE49-F238E27FC236}">
-                <a16:creationId xmlns:a16="http://schemas.microsoft.com/office/drawing/2014/main" id="{F689DA73-9398-4F57-8AA5-4700263128A5}"/>
+                <a16:creationId xmlns:a16="http://schemas.microsoft.com/office/drawing/2014/main" xmlns="" id="{F689DA73-9398-4F57-8AA5-4700263128A5}"/>
               </a:ext>
             </a:extLst>
           </p:cNvPr>
@@ -1410,7 +1414,7 @@
           <a:p>
             <a:fld id="{A42A4438-901F-458B-9C9D-689092135E7A}" type="datetimeFigureOut">
               <a:rPr lang="ko-KR" altLang="en-US" smtClean="0"/>
-              <a:t>2017-07-12</a:t>
+              <a:t>2017-12-02</a:t>
             </a:fld>
             <a:endParaRPr lang="ko-KR" altLang="en-US"/>
           </a:p>
@@ -1421,7 +1425,7 @@
           <p:cNvPr id="6" name="바닥글 개체 틀 5">
             <a:extLst>
               <a:ext uri="{FF2B5EF4-FFF2-40B4-BE49-F238E27FC236}">
-                <a16:creationId xmlns:a16="http://schemas.microsoft.com/office/drawing/2014/main" id="{577884E1-13C1-4089-9536-E6EF1DB02445}"/>
+                <a16:creationId xmlns:a16="http://schemas.microsoft.com/office/drawing/2014/main" xmlns="" id="{577884E1-13C1-4089-9536-E6EF1DB02445}"/>
               </a:ext>
             </a:extLst>
           </p:cNvPr>
@@ -1446,7 +1450,7 @@
           <p:cNvPr id="7" name="슬라이드 번호 개체 틀 6">
             <a:extLst>
               <a:ext uri="{FF2B5EF4-FFF2-40B4-BE49-F238E27FC236}">
-                <a16:creationId xmlns:a16="http://schemas.microsoft.com/office/drawing/2014/main" id="{C8BF3B39-64D9-4388-B126-CF34116CABA9}"/>
+                <a16:creationId xmlns:a16="http://schemas.microsoft.com/office/drawing/2014/main" xmlns="" id="{C8BF3B39-64D9-4388-B126-CF34116CABA9}"/>
               </a:ext>
             </a:extLst>
           </p:cNvPr>
@@ -1505,7 +1509,7 @@
           <p:cNvPr id="2" name="제목 1">
             <a:extLst>
               <a:ext uri="{FF2B5EF4-FFF2-40B4-BE49-F238E27FC236}">
-                <a16:creationId xmlns:a16="http://schemas.microsoft.com/office/drawing/2014/main" id="{A7D9462B-5390-4892-AA6E-E19E5F6B392A}"/>
+                <a16:creationId xmlns:a16="http://schemas.microsoft.com/office/drawing/2014/main" xmlns="" id="{A7D9462B-5390-4892-AA6E-E19E5F6B392A}"/>
               </a:ext>
             </a:extLst>
           </p:cNvPr>
@@ -1538,7 +1542,7 @@
           <p:cNvPr id="3" name="텍스트 개체 틀 2">
             <a:extLst>
               <a:ext uri="{FF2B5EF4-FFF2-40B4-BE49-F238E27FC236}">
-                <a16:creationId xmlns:a16="http://schemas.microsoft.com/office/drawing/2014/main" id="{B857BA4A-AB3F-4FBE-8770-D3EFEDF35B01}"/>
+                <a16:creationId xmlns:a16="http://schemas.microsoft.com/office/drawing/2014/main" xmlns="" id="{B857BA4A-AB3F-4FBE-8770-D3EFEDF35B01}"/>
               </a:ext>
             </a:extLst>
           </p:cNvPr>
@@ -1609,7 +1613,7 @@
           <p:cNvPr id="4" name="내용 개체 틀 3">
             <a:extLst>
               <a:ext uri="{FF2B5EF4-FFF2-40B4-BE49-F238E27FC236}">
-                <a16:creationId xmlns:a16="http://schemas.microsoft.com/office/drawing/2014/main" id="{9A8BEB46-01A7-4640-8899-6335F74490E7}"/>
+                <a16:creationId xmlns:a16="http://schemas.microsoft.com/office/drawing/2014/main" xmlns="" id="{9A8BEB46-01A7-4640-8899-6335F74490E7}"/>
               </a:ext>
             </a:extLst>
           </p:cNvPr>
@@ -1671,7 +1675,7 @@
           <p:cNvPr id="5" name="텍스트 개체 틀 4">
             <a:extLst>
               <a:ext uri="{FF2B5EF4-FFF2-40B4-BE49-F238E27FC236}">
-                <a16:creationId xmlns:a16="http://schemas.microsoft.com/office/drawing/2014/main" id="{F773E23F-300A-4500-A1A9-A6709DD4D03C}"/>
+                <a16:creationId xmlns:a16="http://schemas.microsoft.com/office/drawing/2014/main" xmlns="" id="{F773E23F-300A-4500-A1A9-A6709DD4D03C}"/>
               </a:ext>
             </a:extLst>
           </p:cNvPr>
@@ -1742,7 +1746,7 @@
           <p:cNvPr id="6" name="내용 개체 틀 5">
             <a:extLst>
               <a:ext uri="{FF2B5EF4-FFF2-40B4-BE49-F238E27FC236}">
-                <a16:creationId xmlns:a16="http://schemas.microsoft.com/office/drawing/2014/main" id="{C310A2FD-4A7B-4DAE-8FD5-8C5A6882C5AC}"/>
+                <a16:creationId xmlns:a16="http://schemas.microsoft.com/office/drawing/2014/main" xmlns="" id="{C310A2FD-4A7B-4DAE-8FD5-8C5A6882C5AC}"/>
               </a:ext>
             </a:extLst>
           </p:cNvPr>
@@ -1804,7 +1808,7 @@
           <p:cNvPr id="7" name="날짜 개체 틀 6">
             <a:extLst>
               <a:ext uri="{FF2B5EF4-FFF2-40B4-BE49-F238E27FC236}">
-                <a16:creationId xmlns:a16="http://schemas.microsoft.com/office/drawing/2014/main" id="{A107B7B4-D22C-4CCF-ADFC-58414B29FEC6}"/>
+                <a16:creationId xmlns:a16="http://schemas.microsoft.com/office/drawing/2014/main" xmlns="" id="{A107B7B4-D22C-4CCF-ADFC-58414B29FEC6}"/>
               </a:ext>
             </a:extLst>
           </p:cNvPr>
@@ -1822,7 +1826,7 @@
           <a:p>
             <a:fld id="{A42A4438-901F-458B-9C9D-689092135E7A}" type="datetimeFigureOut">
               <a:rPr lang="ko-KR" altLang="en-US" smtClean="0"/>
-              <a:t>2017-07-12</a:t>
+              <a:t>2017-12-02</a:t>
             </a:fld>
             <a:endParaRPr lang="ko-KR" altLang="en-US"/>
           </a:p>
@@ -1833,7 +1837,7 @@
           <p:cNvPr id="8" name="바닥글 개체 틀 7">
             <a:extLst>
               <a:ext uri="{FF2B5EF4-FFF2-40B4-BE49-F238E27FC236}">
-                <a16:creationId xmlns:a16="http://schemas.microsoft.com/office/drawing/2014/main" id="{6FA3C68E-24EE-4C93-B917-D1C87AB3C82C}"/>
+                <a16:creationId xmlns:a16="http://schemas.microsoft.com/office/drawing/2014/main" xmlns="" id="{6FA3C68E-24EE-4C93-B917-D1C87AB3C82C}"/>
               </a:ext>
             </a:extLst>
           </p:cNvPr>
@@ -1858,7 +1862,7 @@
           <p:cNvPr id="9" name="슬라이드 번호 개체 틀 8">
             <a:extLst>
               <a:ext uri="{FF2B5EF4-FFF2-40B4-BE49-F238E27FC236}">
-                <a16:creationId xmlns:a16="http://schemas.microsoft.com/office/drawing/2014/main" id="{5D9546FB-658B-4C90-846C-80FDA478EC34}"/>
+                <a16:creationId xmlns:a16="http://schemas.microsoft.com/office/drawing/2014/main" xmlns="" id="{5D9546FB-658B-4C90-846C-80FDA478EC34}"/>
               </a:ext>
             </a:extLst>
           </p:cNvPr>
@@ -1917,7 +1921,7 @@
           <p:cNvPr id="2" name="제목 1">
             <a:extLst>
               <a:ext uri="{FF2B5EF4-FFF2-40B4-BE49-F238E27FC236}">
-                <a16:creationId xmlns:a16="http://schemas.microsoft.com/office/drawing/2014/main" id="{67F42F09-973B-4426-B76B-C3E3EDAAB6B5}"/>
+                <a16:creationId xmlns:a16="http://schemas.microsoft.com/office/drawing/2014/main" xmlns="" id="{67F42F09-973B-4426-B76B-C3E3EDAAB6B5}"/>
               </a:ext>
             </a:extLst>
           </p:cNvPr>
@@ -1945,7 +1949,7 @@
           <p:cNvPr id="3" name="날짜 개체 틀 2">
             <a:extLst>
               <a:ext uri="{FF2B5EF4-FFF2-40B4-BE49-F238E27FC236}">
-                <a16:creationId xmlns:a16="http://schemas.microsoft.com/office/drawing/2014/main" id="{E8651856-0C40-4C28-B36F-893D6FA72E5E}"/>
+                <a16:creationId xmlns:a16="http://schemas.microsoft.com/office/drawing/2014/main" xmlns="" id="{E8651856-0C40-4C28-B36F-893D6FA72E5E}"/>
               </a:ext>
             </a:extLst>
           </p:cNvPr>
@@ -1963,7 +1967,7 @@
           <a:p>
             <a:fld id="{A42A4438-901F-458B-9C9D-689092135E7A}" type="datetimeFigureOut">
               <a:rPr lang="ko-KR" altLang="en-US" smtClean="0"/>
-              <a:t>2017-07-12</a:t>
+              <a:t>2017-12-02</a:t>
             </a:fld>
             <a:endParaRPr lang="ko-KR" altLang="en-US"/>
           </a:p>
@@ -1974,7 +1978,7 @@
           <p:cNvPr id="4" name="바닥글 개체 틀 3">
             <a:extLst>
               <a:ext uri="{FF2B5EF4-FFF2-40B4-BE49-F238E27FC236}">
-                <a16:creationId xmlns:a16="http://schemas.microsoft.com/office/drawing/2014/main" id="{384432F1-4453-4117-A7DD-B34C677CC859}"/>
+                <a16:creationId xmlns:a16="http://schemas.microsoft.com/office/drawing/2014/main" xmlns="" id="{384432F1-4453-4117-A7DD-B34C677CC859}"/>
               </a:ext>
             </a:extLst>
           </p:cNvPr>
@@ -1999,7 +2003,7 @@
           <p:cNvPr id="5" name="슬라이드 번호 개체 틀 4">
             <a:extLst>
               <a:ext uri="{FF2B5EF4-FFF2-40B4-BE49-F238E27FC236}">
-                <a16:creationId xmlns:a16="http://schemas.microsoft.com/office/drawing/2014/main" id="{29441C9A-7F62-4E33-A99B-9E91056D0B61}"/>
+                <a16:creationId xmlns:a16="http://schemas.microsoft.com/office/drawing/2014/main" xmlns="" id="{29441C9A-7F62-4E33-A99B-9E91056D0B61}"/>
               </a:ext>
             </a:extLst>
           </p:cNvPr>
@@ -2058,7 +2062,7 @@
           <p:cNvPr id="2" name="날짜 개체 틀 1">
             <a:extLst>
               <a:ext uri="{FF2B5EF4-FFF2-40B4-BE49-F238E27FC236}">
-                <a16:creationId xmlns:a16="http://schemas.microsoft.com/office/drawing/2014/main" id="{92E46BFB-5E7E-4D49-81DD-61EB84CDE969}"/>
+                <a16:creationId xmlns:a16="http://schemas.microsoft.com/office/drawing/2014/main" xmlns="" id="{92E46BFB-5E7E-4D49-81DD-61EB84CDE969}"/>
               </a:ext>
             </a:extLst>
           </p:cNvPr>
@@ -2076,7 +2080,7 @@
           <a:p>
             <a:fld id="{A42A4438-901F-458B-9C9D-689092135E7A}" type="datetimeFigureOut">
               <a:rPr lang="ko-KR" altLang="en-US" smtClean="0"/>
-              <a:t>2017-07-12</a:t>
+              <a:t>2017-12-02</a:t>
             </a:fld>
             <a:endParaRPr lang="ko-KR" altLang="en-US"/>
           </a:p>
@@ -2087,7 +2091,7 @@
           <p:cNvPr id="3" name="바닥글 개체 틀 2">
             <a:extLst>
               <a:ext uri="{FF2B5EF4-FFF2-40B4-BE49-F238E27FC236}">
-                <a16:creationId xmlns:a16="http://schemas.microsoft.com/office/drawing/2014/main" id="{B81D6FCA-D9D9-4D26-B846-0AA3695EC4F9}"/>
+                <a16:creationId xmlns:a16="http://schemas.microsoft.com/office/drawing/2014/main" xmlns="" id="{B81D6FCA-D9D9-4D26-B846-0AA3695EC4F9}"/>
               </a:ext>
             </a:extLst>
           </p:cNvPr>
@@ -2112,7 +2116,7 @@
           <p:cNvPr id="4" name="슬라이드 번호 개체 틀 3">
             <a:extLst>
               <a:ext uri="{FF2B5EF4-FFF2-40B4-BE49-F238E27FC236}">
-                <a16:creationId xmlns:a16="http://schemas.microsoft.com/office/drawing/2014/main" id="{A11C57EE-41A3-48FA-9305-0423FC62E220}"/>
+                <a16:creationId xmlns:a16="http://schemas.microsoft.com/office/drawing/2014/main" xmlns="" id="{A11C57EE-41A3-48FA-9305-0423FC62E220}"/>
               </a:ext>
             </a:extLst>
           </p:cNvPr>
@@ -2171,7 +2175,7 @@
           <p:cNvPr id="2" name="제목 1">
             <a:extLst>
               <a:ext uri="{FF2B5EF4-FFF2-40B4-BE49-F238E27FC236}">
-                <a16:creationId xmlns:a16="http://schemas.microsoft.com/office/drawing/2014/main" id="{787E2576-5EF6-4D11-8DB0-E79100F9A3D9}"/>
+                <a16:creationId xmlns:a16="http://schemas.microsoft.com/office/drawing/2014/main" xmlns="" id="{787E2576-5EF6-4D11-8DB0-E79100F9A3D9}"/>
               </a:ext>
             </a:extLst>
           </p:cNvPr>
@@ -2208,7 +2212,7 @@
           <p:cNvPr id="3" name="내용 개체 틀 2">
             <a:extLst>
               <a:ext uri="{FF2B5EF4-FFF2-40B4-BE49-F238E27FC236}">
-                <a16:creationId xmlns:a16="http://schemas.microsoft.com/office/drawing/2014/main" id="{BD9C3ECD-2E93-4788-9DDF-A4EC5715FEC2}"/>
+                <a16:creationId xmlns:a16="http://schemas.microsoft.com/office/drawing/2014/main" xmlns="" id="{BD9C3ECD-2E93-4788-9DDF-A4EC5715FEC2}"/>
               </a:ext>
             </a:extLst>
           </p:cNvPr>
@@ -2298,7 +2302,7 @@
           <p:cNvPr id="4" name="텍스트 개체 틀 3">
             <a:extLst>
               <a:ext uri="{FF2B5EF4-FFF2-40B4-BE49-F238E27FC236}">
-                <a16:creationId xmlns:a16="http://schemas.microsoft.com/office/drawing/2014/main" id="{18F3B834-F120-42A9-87A8-CEF7DD26554A}"/>
+                <a16:creationId xmlns:a16="http://schemas.microsoft.com/office/drawing/2014/main" xmlns="" id="{18F3B834-F120-42A9-87A8-CEF7DD26554A}"/>
               </a:ext>
             </a:extLst>
           </p:cNvPr>
@@ -2369,7 +2373,7 @@
           <p:cNvPr id="5" name="날짜 개체 틀 4">
             <a:extLst>
               <a:ext uri="{FF2B5EF4-FFF2-40B4-BE49-F238E27FC236}">
-                <a16:creationId xmlns:a16="http://schemas.microsoft.com/office/drawing/2014/main" id="{A754398B-413A-45A8-A132-D42EDE15A6D3}"/>
+                <a16:creationId xmlns:a16="http://schemas.microsoft.com/office/drawing/2014/main" xmlns="" id="{A754398B-413A-45A8-A132-D42EDE15A6D3}"/>
               </a:ext>
             </a:extLst>
           </p:cNvPr>
@@ -2387,7 +2391,7 @@
           <a:p>
             <a:fld id="{A42A4438-901F-458B-9C9D-689092135E7A}" type="datetimeFigureOut">
               <a:rPr lang="ko-KR" altLang="en-US" smtClean="0"/>
-              <a:t>2017-07-12</a:t>
+              <a:t>2017-12-02</a:t>
             </a:fld>
             <a:endParaRPr lang="ko-KR" altLang="en-US"/>
           </a:p>
@@ -2398,7 +2402,7 @@
           <p:cNvPr id="6" name="바닥글 개체 틀 5">
             <a:extLst>
               <a:ext uri="{FF2B5EF4-FFF2-40B4-BE49-F238E27FC236}">
-                <a16:creationId xmlns:a16="http://schemas.microsoft.com/office/drawing/2014/main" id="{BB6C9DB5-BD36-4B40-99C2-1ECC0964603B}"/>
+                <a16:creationId xmlns:a16="http://schemas.microsoft.com/office/drawing/2014/main" xmlns="" id="{BB6C9DB5-BD36-4B40-99C2-1ECC0964603B}"/>
               </a:ext>
             </a:extLst>
           </p:cNvPr>
@@ -2423,7 +2427,7 @@
           <p:cNvPr id="7" name="슬라이드 번호 개체 틀 6">
             <a:extLst>
               <a:ext uri="{FF2B5EF4-FFF2-40B4-BE49-F238E27FC236}">
-                <a16:creationId xmlns:a16="http://schemas.microsoft.com/office/drawing/2014/main" id="{90FF1B0A-97D2-4A87-A9AA-B9893AF3E2F8}"/>
+                <a16:creationId xmlns:a16="http://schemas.microsoft.com/office/drawing/2014/main" xmlns="" id="{90FF1B0A-97D2-4A87-A9AA-B9893AF3E2F8}"/>
               </a:ext>
             </a:extLst>
           </p:cNvPr>
@@ -2482,7 +2486,7 @@
           <p:cNvPr id="2" name="제목 1">
             <a:extLst>
               <a:ext uri="{FF2B5EF4-FFF2-40B4-BE49-F238E27FC236}">
-                <a16:creationId xmlns:a16="http://schemas.microsoft.com/office/drawing/2014/main" id="{8F079CF2-2D19-414C-9AF9-A61F603F45E0}"/>
+                <a16:creationId xmlns:a16="http://schemas.microsoft.com/office/drawing/2014/main" xmlns="" id="{8F079CF2-2D19-414C-9AF9-A61F603F45E0}"/>
               </a:ext>
             </a:extLst>
           </p:cNvPr>
@@ -2519,7 +2523,7 @@
           <p:cNvPr id="3" name="그림 개체 틀 2">
             <a:extLst>
               <a:ext uri="{FF2B5EF4-FFF2-40B4-BE49-F238E27FC236}">
-                <a16:creationId xmlns:a16="http://schemas.microsoft.com/office/drawing/2014/main" id="{D323AE55-23B9-41AE-B457-97762D212514}"/>
+                <a16:creationId xmlns:a16="http://schemas.microsoft.com/office/drawing/2014/main" xmlns="" id="{D323AE55-23B9-41AE-B457-97762D212514}"/>
               </a:ext>
             </a:extLst>
           </p:cNvPr>
@@ -2586,7 +2590,7 @@
           <p:cNvPr id="4" name="텍스트 개체 틀 3">
             <a:extLst>
               <a:ext uri="{FF2B5EF4-FFF2-40B4-BE49-F238E27FC236}">
-                <a16:creationId xmlns:a16="http://schemas.microsoft.com/office/drawing/2014/main" id="{8DD43BFC-DB34-498A-B41A-8583B3461F7A}"/>
+                <a16:creationId xmlns:a16="http://schemas.microsoft.com/office/drawing/2014/main" xmlns="" id="{8DD43BFC-DB34-498A-B41A-8583B3461F7A}"/>
               </a:ext>
             </a:extLst>
           </p:cNvPr>
@@ -2657,7 +2661,7 @@
           <p:cNvPr id="5" name="날짜 개체 틀 4">
             <a:extLst>
               <a:ext uri="{FF2B5EF4-FFF2-40B4-BE49-F238E27FC236}">
-                <a16:creationId xmlns:a16="http://schemas.microsoft.com/office/drawing/2014/main" id="{56F5353D-38C0-4883-B57A-E45609239513}"/>
+                <a16:creationId xmlns:a16="http://schemas.microsoft.com/office/drawing/2014/main" xmlns="" id="{56F5353D-38C0-4883-B57A-E45609239513}"/>
               </a:ext>
             </a:extLst>
           </p:cNvPr>
@@ -2675,7 +2679,7 @@
           <a:p>
             <a:fld id="{A42A4438-901F-458B-9C9D-689092135E7A}" type="datetimeFigureOut">
               <a:rPr lang="ko-KR" altLang="en-US" smtClean="0"/>
-              <a:t>2017-07-12</a:t>
+              <a:t>2017-12-02</a:t>
             </a:fld>
             <a:endParaRPr lang="ko-KR" altLang="en-US"/>
           </a:p>
@@ -2686,7 +2690,7 @@
           <p:cNvPr id="6" name="바닥글 개체 틀 5">
             <a:extLst>
               <a:ext uri="{FF2B5EF4-FFF2-40B4-BE49-F238E27FC236}">
-                <a16:creationId xmlns:a16="http://schemas.microsoft.com/office/drawing/2014/main" id="{42D9503D-CE6E-4895-976C-F71F2F9AC28F}"/>
+                <a16:creationId xmlns:a16="http://schemas.microsoft.com/office/drawing/2014/main" xmlns="" id="{42D9503D-CE6E-4895-976C-F71F2F9AC28F}"/>
               </a:ext>
             </a:extLst>
           </p:cNvPr>
@@ -2711,7 +2715,7 @@
           <p:cNvPr id="7" name="슬라이드 번호 개체 틀 6">
             <a:extLst>
               <a:ext uri="{FF2B5EF4-FFF2-40B4-BE49-F238E27FC236}">
-                <a16:creationId xmlns:a16="http://schemas.microsoft.com/office/drawing/2014/main" id="{BDDD4A67-B863-42F3-9C91-0EE73600C22C}"/>
+                <a16:creationId xmlns:a16="http://schemas.microsoft.com/office/drawing/2014/main" xmlns="" id="{BDDD4A67-B863-42F3-9C91-0EE73600C22C}"/>
               </a:ext>
             </a:extLst>
           </p:cNvPr>
@@ -2775,7 +2779,7 @@
           <p:cNvPr id="2" name="제목 개체 틀 1">
             <a:extLst>
               <a:ext uri="{FF2B5EF4-FFF2-40B4-BE49-F238E27FC236}">
-                <a16:creationId xmlns:a16="http://schemas.microsoft.com/office/drawing/2014/main" id="{1DDBF42D-38A0-4F96-8A3D-041D133E108F}"/>
+                <a16:creationId xmlns:a16="http://schemas.microsoft.com/office/drawing/2014/main" xmlns="" id="{1DDBF42D-38A0-4F96-8A3D-041D133E108F}"/>
               </a:ext>
             </a:extLst>
           </p:cNvPr>
@@ -2813,7 +2817,7 @@
           <p:cNvPr id="3" name="텍스트 개체 틀 2">
             <a:extLst>
               <a:ext uri="{FF2B5EF4-FFF2-40B4-BE49-F238E27FC236}">
-                <a16:creationId xmlns:a16="http://schemas.microsoft.com/office/drawing/2014/main" id="{C0F177C8-FD63-4CC5-93EF-48ACD74C2BC7}"/>
+                <a16:creationId xmlns:a16="http://schemas.microsoft.com/office/drawing/2014/main" xmlns="" id="{C0F177C8-FD63-4CC5-93EF-48ACD74C2BC7}"/>
               </a:ext>
             </a:extLst>
           </p:cNvPr>
@@ -2880,7 +2884,7 @@
           <p:cNvPr id="4" name="날짜 개체 틀 3">
             <a:extLst>
               <a:ext uri="{FF2B5EF4-FFF2-40B4-BE49-F238E27FC236}">
-                <a16:creationId xmlns:a16="http://schemas.microsoft.com/office/drawing/2014/main" id="{68657CDE-34E2-4827-AFA2-3A6C8E3189B9}"/>
+                <a16:creationId xmlns:a16="http://schemas.microsoft.com/office/drawing/2014/main" xmlns="" id="{68657CDE-34E2-4827-AFA2-3A6C8E3189B9}"/>
               </a:ext>
             </a:extLst>
           </p:cNvPr>
@@ -2916,7 +2920,7 @@
           <a:p>
             <a:fld id="{A42A4438-901F-458B-9C9D-689092135E7A}" type="datetimeFigureOut">
               <a:rPr lang="ko-KR" altLang="en-US" smtClean="0"/>
-              <a:t>2017-07-12</a:t>
+              <a:t>2017-12-02</a:t>
             </a:fld>
             <a:endParaRPr lang="ko-KR" altLang="en-US"/>
           </a:p>
@@ -2927,7 +2931,7 @@
           <p:cNvPr id="5" name="바닥글 개체 틀 4">
             <a:extLst>
               <a:ext uri="{FF2B5EF4-FFF2-40B4-BE49-F238E27FC236}">
-                <a16:creationId xmlns:a16="http://schemas.microsoft.com/office/drawing/2014/main" id="{5DB9CC73-6533-440A-88C5-80BF22CCFD8B}"/>
+                <a16:creationId xmlns:a16="http://schemas.microsoft.com/office/drawing/2014/main" xmlns="" id="{5DB9CC73-6533-440A-88C5-80BF22CCFD8B}"/>
               </a:ext>
             </a:extLst>
           </p:cNvPr>
@@ -2970,7 +2974,7 @@
           <p:cNvPr id="6" name="슬라이드 번호 개체 틀 5">
             <a:extLst>
               <a:ext uri="{FF2B5EF4-FFF2-40B4-BE49-F238E27FC236}">
-                <a16:creationId xmlns:a16="http://schemas.microsoft.com/office/drawing/2014/main" id="{B9792404-C8E4-4B9E-8865-8D342C505E9D}"/>
+                <a16:creationId xmlns:a16="http://schemas.microsoft.com/office/drawing/2014/main" xmlns="" id="{B9792404-C8E4-4B9E-8865-8D342C505E9D}"/>
               </a:ext>
             </a:extLst>
           </p:cNvPr>
@@ -3338,7 +3342,7 @@
           <p:cNvPr id="2" name="제목 1">
             <a:extLst>
               <a:ext uri="{FF2B5EF4-FFF2-40B4-BE49-F238E27FC236}">
-                <a16:creationId xmlns:a16="http://schemas.microsoft.com/office/drawing/2014/main" id="{FFF6CDEB-7638-400E-BDF1-4EDDFB593AD6}"/>
+                <a16:creationId xmlns:a16="http://schemas.microsoft.com/office/drawing/2014/main" xmlns="" id="{FFF6CDEB-7638-400E-BDF1-4EDDFB593AD6}"/>
               </a:ext>
             </a:extLst>
           </p:cNvPr>
@@ -3392,94 +3396,22 @@
           <a:chExt cx="0" cy="0"/>
         </a:xfrm>
       </p:grpSpPr>
-      <p:pic>
-        <p:nvPicPr>
-          <p:cNvPr id="5" name="그림 4">
-            <a:extLst>
-              <a:ext uri="{FF2B5EF4-FFF2-40B4-BE49-F238E27FC236}">
-                <a16:creationId xmlns:a16="http://schemas.microsoft.com/office/drawing/2014/main" id="{A22531F4-097B-4499-AE7F-B42E73BBA608}"/>
-              </a:ext>
-            </a:extLst>
-          </p:cNvPr>
-          <p:cNvPicPr>
-            <a:picLocks noChangeAspect="1"/>
-          </p:cNvPicPr>
+      <p:sp>
+        <p:nvSpPr>
+          <p:cNvPr id="2" name="TextBox 1">
+            <a:extLst>
+              <a:ext uri="{FF2B5EF4-FFF2-40B4-BE49-F238E27FC236}">
+                <a16:creationId xmlns:a16="http://schemas.microsoft.com/office/drawing/2014/main" xmlns="" id="{000D5BC2-E81E-4D90-9F15-7F089B98593E}"/>
+              </a:ext>
+            </a:extLst>
+          </p:cNvPr>
+          <p:cNvSpPr txBox="1"/>
           <p:nvPr/>
-        </p:nvPicPr>
-        <p:blipFill>
-          <a:blip r:embed="rId2">
-            <a:extLst>
-              <a:ext uri="{28A0092B-C50C-407E-A947-70E740481C1C}">
-                <a14:useLocalDpi xmlns:a14="http://schemas.microsoft.com/office/drawing/2010/main" val="0"/>
-              </a:ext>
-            </a:extLst>
-          </a:blip>
-          <a:stretch>
-            <a:fillRect/>
-          </a:stretch>
-        </p:blipFill>
+        </p:nvSpPr>
         <p:spPr>
           <a:xfrm>
-            <a:off x="1220603" y="568186"/>
-            <a:ext cx="3677163" cy="5553850"/>
-          </a:xfrm>
-          <a:prstGeom prst="rect">
-            <a:avLst/>
-          </a:prstGeom>
-        </p:spPr>
-      </p:pic>
-      <p:pic>
-        <p:nvPicPr>
-          <p:cNvPr id="7" name="그림 6">
-            <a:extLst>
-              <a:ext uri="{FF2B5EF4-FFF2-40B4-BE49-F238E27FC236}">
-                <a16:creationId xmlns:a16="http://schemas.microsoft.com/office/drawing/2014/main" id="{811C6A67-72C5-4E02-9DB3-7D58F511C700}"/>
-              </a:ext>
-            </a:extLst>
-          </p:cNvPr>
-          <p:cNvPicPr>
-            <a:picLocks noChangeAspect="1"/>
-          </p:cNvPicPr>
-          <p:nvPr/>
-        </p:nvPicPr>
-        <p:blipFill>
-          <a:blip r:embed="rId3">
-            <a:extLst>
-              <a:ext uri="{28A0092B-C50C-407E-A947-70E740481C1C}">
-                <a14:useLocalDpi xmlns:a14="http://schemas.microsoft.com/office/drawing/2010/main" val="0"/>
-              </a:ext>
-            </a:extLst>
-          </a:blip>
-          <a:stretch>
-            <a:fillRect/>
-          </a:stretch>
-        </p:blipFill>
-        <p:spPr>
-          <a:xfrm>
-            <a:off x="5472461" y="677739"/>
-            <a:ext cx="2505425" cy="2667372"/>
-          </a:xfrm>
-          <a:prstGeom prst="rect">
-            <a:avLst/>
-          </a:prstGeom>
-        </p:spPr>
-      </p:pic>
-      <p:sp>
-        <p:nvSpPr>
-          <p:cNvPr id="2" name="TextBox 1">
-            <a:extLst>
-              <a:ext uri="{FF2B5EF4-FFF2-40B4-BE49-F238E27FC236}">
-                <a16:creationId xmlns:a16="http://schemas.microsoft.com/office/drawing/2014/main" id="{000D5BC2-E81E-4D90-9F15-7F089B98593E}"/>
-              </a:ext>
-            </a:extLst>
-          </p:cNvPr>
-          <p:cNvSpPr txBox="1"/>
-          <p:nvPr/>
-        </p:nvSpPr>
-        <p:spPr>
-          <a:xfrm>
-            <a:off x="4897766" y="4588778"/>
-            <a:ext cx="4724406" cy="369332"/>
+            <a:off x="3675021" y="6136645"/>
+            <a:ext cx="4724406" cy="584775"/>
           </a:xfrm>
           <a:prstGeom prst="rect">
             <a:avLst/>
@@ -3492,13 +3424,56 @@
           </a:bodyPr>
           <a:lstStyle/>
           <a:p>
-            <a:r>
-              <a:rPr lang="ko-KR" altLang="en-US" dirty="0"/>
-              <a:t>마술모자 캐릭터</a:t>
-            </a:r>
-          </a:p>
-        </p:txBody>
-      </p:sp>
+            <a:pPr algn="ctr"/>
+            <a:r>
+              <a:rPr lang="ko-KR" altLang="en-US" sz="3200" dirty="0" smtClean="0"/>
+              <a:t>현재 캐릭터 </a:t>
+            </a:r>
+            <a:endParaRPr lang="ko-KR" altLang="en-US" sz="3200" dirty="0"/>
+          </a:p>
+        </p:txBody>
+      </p:sp>
+      <p:pic>
+        <p:nvPicPr>
+          <p:cNvPr id="2050" name="Picture 2" descr="C:\Users\goldenboy\Desktop\currentCharacter.png"/>
+          <p:cNvPicPr>
+            <a:picLocks noChangeAspect="1" noChangeArrowheads="1"/>
+          </p:cNvPicPr>
+          <p:nvPr/>
+        </p:nvPicPr>
+        <p:blipFill>
+          <a:blip r:embed="rId2">
+            <a:extLst>
+              <a:ext uri="{28A0092B-C50C-407E-A947-70E740481C1C}">
+                <a14:useLocalDpi xmlns:a14="http://schemas.microsoft.com/office/drawing/2010/main" val="0"/>
+              </a:ext>
+            </a:extLst>
+          </a:blip>
+          <a:srcRect/>
+          <a:stretch>
+            <a:fillRect/>
+          </a:stretch>
+        </p:blipFill>
+        <p:spPr bwMode="auto">
+          <a:xfrm>
+            <a:off x="849090" y="1109146"/>
+            <a:ext cx="10040938" cy="4905376"/>
+          </a:xfrm>
+          <a:prstGeom prst="rect">
+            <a:avLst/>
+          </a:prstGeom>
+          <a:noFill/>
+          <a:extLst>
+            <a:ext uri="{909E8E84-426E-40DD-AFC4-6F175D3DCCD1}">
+              <a14:hiddenFill xmlns:a14="http://schemas.microsoft.com/office/drawing/2010/main">
+                <a:solidFill>
+                  <a:srgbClr val="FFFFFF"/>
+                </a:solidFill>
+              </a14:hiddenFill>
+            </a:ext>
+          </a:extLst>
+        </p:spPr>
+      </p:pic>
     </p:spTree>
     <p:extLst>
       <p:ext uri="{BB962C8B-B14F-4D97-AF65-F5344CB8AC3E}">
@@ -3529,130 +3504,50 @@
           <a:chExt cx="0" cy="0"/>
         </a:xfrm>
       </p:grpSpPr>
-      <p:pic>
-        <p:nvPicPr>
-          <p:cNvPr id="5" name="그림 4">
-            <a:extLst>
-              <a:ext uri="{FF2B5EF4-FFF2-40B4-BE49-F238E27FC236}">
-                <a16:creationId xmlns:a16="http://schemas.microsoft.com/office/drawing/2014/main" id="{AEBA9BB2-68B6-4D62-BDF8-D689056C8F91}"/>
-              </a:ext>
-            </a:extLst>
-          </p:cNvPr>
-          <p:cNvPicPr>
-            <a:picLocks noChangeAspect="1"/>
-          </p:cNvPicPr>
-          <p:nvPr/>
-        </p:nvPicPr>
-        <p:blipFill>
-          <a:blip r:embed="rId2">
-            <a:extLst>
-              <a:ext uri="{28A0092B-C50C-407E-A947-70E740481C1C}">
-                <a14:useLocalDpi xmlns:a14="http://schemas.microsoft.com/office/drawing/2010/main" val="0"/>
-              </a:ext>
-            </a:extLst>
-          </a:blip>
-          <a:stretch>
-            <a:fillRect/>
-          </a:stretch>
-        </p:blipFill>
+      <p:sp>
+        <p:nvSpPr>
+          <p:cNvPr id="2" name="제목 1"/>
+          <p:cNvSpPr>
+            <a:spLocks noGrp="1"/>
+          </p:cNvSpPr>
+          <p:nvPr>
+            <p:ph type="title"/>
+          </p:nvPr>
+        </p:nvSpPr>
         <p:spPr>
           <a:xfrm>
-            <a:off x="1059143" y="597319"/>
-            <a:ext cx="2657846" cy="3801005"/>
+            <a:off x="593651" y="88679"/>
+            <a:ext cx="10515600" cy="1325563"/>
           </a:xfrm>
-          <a:prstGeom prst="rect">
-            <a:avLst/>
-          </a:prstGeom>
         </p:spPr>
-      </p:pic>
-      <p:pic>
-        <p:nvPicPr>
-          <p:cNvPr id="7" name="그림 6">
-            <a:extLst>
-              <a:ext uri="{FF2B5EF4-FFF2-40B4-BE49-F238E27FC236}">
-                <a16:creationId xmlns:a16="http://schemas.microsoft.com/office/drawing/2014/main" id="{E94DCACD-AABB-44F4-AA25-791896C28AE8}"/>
-              </a:ext>
-            </a:extLst>
-          </p:cNvPr>
-          <p:cNvPicPr>
-            <a:picLocks noChangeAspect="1"/>
-          </p:cNvPicPr>
+        <p:txBody>
+          <a:bodyPr>
+            <a:normAutofit/>
+          </a:bodyPr>
+          <a:lstStyle/>
+          <a:p>
+            <a:r>
+              <a:rPr lang="en-US" altLang="ko-KR" sz="3200" dirty="0" smtClean="0"/>
+              <a:t>3 </a:t>
+            </a:r>
+            <a:r>
+              <a:rPr lang="ko-KR" altLang="en-US" sz="3200" dirty="0" smtClean="0"/>
+              <a:t>등신 현재 캐릭터 </a:t>
+            </a:r>
+            <a:endParaRPr lang="ko-KR" altLang="en-US" sz="3200" dirty="0"/>
+          </a:p>
+        </p:txBody>
+      </p:sp>
+      <p:sp>
+        <p:nvSpPr>
+          <p:cNvPr id="4" name="TextBox 3"/>
+          <p:cNvSpPr txBox="1"/>
           <p:nvPr/>
-        </p:nvPicPr>
-        <p:blipFill>
-          <a:blip r:embed="rId3">
-            <a:extLst>
-              <a:ext uri="{28A0092B-C50C-407E-A947-70E740481C1C}">
-                <a14:useLocalDpi xmlns:a14="http://schemas.microsoft.com/office/drawing/2010/main" val="0"/>
-              </a:ext>
-            </a:extLst>
-          </a:blip>
-          <a:stretch>
-            <a:fillRect/>
-          </a:stretch>
-        </p:blipFill>
+        </p:nvSpPr>
         <p:spPr>
           <a:xfrm>
-            <a:off x="7937201" y="228203"/>
-            <a:ext cx="3867690" cy="3705742"/>
-          </a:xfrm>
-          <a:prstGeom prst="rect">
-            <a:avLst/>
-          </a:prstGeom>
-        </p:spPr>
-      </p:pic>
-      <p:pic>
-        <p:nvPicPr>
-          <p:cNvPr id="9" name="그림 8">
-            <a:extLst>
-              <a:ext uri="{FF2B5EF4-FFF2-40B4-BE49-F238E27FC236}">
-                <a16:creationId xmlns:a16="http://schemas.microsoft.com/office/drawing/2014/main" id="{59E58DDA-D63D-4CA1-851B-6D290444CEF9}"/>
-              </a:ext>
-            </a:extLst>
-          </p:cNvPr>
-          <p:cNvPicPr>
-            <a:picLocks noChangeAspect="1"/>
-          </p:cNvPicPr>
-          <p:nvPr/>
-        </p:nvPicPr>
-        <p:blipFill>
-          <a:blip r:embed="rId4">
-            <a:extLst>
-              <a:ext uri="{28A0092B-C50C-407E-A947-70E740481C1C}">
-                <a14:useLocalDpi xmlns:a14="http://schemas.microsoft.com/office/drawing/2010/main" val="0"/>
-              </a:ext>
-            </a:extLst>
-          </a:blip>
-          <a:stretch>
-            <a:fillRect/>
-          </a:stretch>
-        </p:blipFill>
-        <p:spPr>
-          <a:xfrm>
-            <a:off x="3493145" y="3313856"/>
-            <a:ext cx="4667901" cy="3334215"/>
-          </a:xfrm>
-          <a:prstGeom prst="rect">
-            <a:avLst/>
-          </a:prstGeom>
-        </p:spPr>
-      </p:pic>
-      <p:sp>
-        <p:nvSpPr>
-          <p:cNvPr id="2" name="TextBox 1">
-            <a:extLst>
-              <a:ext uri="{FF2B5EF4-FFF2-40B4-BE49-F238E27FC236}">
-                <a16:creationId xmlns:a16="http://schemas.microsoft.com/office/drawing/2014/main" id="{A3ECFA3F-54E5-49C3-81D1-0530169E220B}"/>
-              </a:ext>
-            </a:extLst>
-          </p:cNvPr>
-          <p:cNvSpPr txBox="1"/>
-          <p:nvPr/>
-        </p:nvSpPr>
-        <p:spPr>
-          <a:xfrm>
-            <a:off x="3867325" y="1174459"/>
-            <a:ext cx="3439486" cy="369332"/>
+            <a:off x="584790" y="1196462"/>
+            <a:ext cx="9675627" cy="3693319"/>
           </a:xfrm>
           <a:prstGeom prst="rect">
             <a:avLst/>
@@ -3666,91 +3561,155 @@
           <a:lstStyle/>
           <a:p>
             <a:r>
-              <a:rPr lang="ko-KR" altLang="en-US" dirty="0"/>
-              <a:t>고니의 빨간 마이</a:t>
-            </a:r>
-          </a:p>
-        </p:txBody>
-      </p:sp>
-      <p:sp>
-        <p:nvSpPr>
-          <p:cNvPr id="3" name="TextBox 2">
-            <a:extLst>
-              <a:ext uri="{FF2B5EF4-FFF2-40B4-BE49-F238E27FC236}">
-                <a16:creationId xmlns:a16="http://schemas.microsoft.com/office/drawing/2014/main" id="{94D8A36C-9473-49B9-83E9-C884C7DCB002}"/>
-              </a:ext>
-            </a:extLst>
-          </p:cNvPr>
-          <p:cNvSpPr txBox="1"/>
-          <p:nvPr/>
-        </p:nvSpPr>
-        <p:spPr>
-          <a:xfrm>
-            <a:off x="8934275" y="4077050"/>
-            <a:ext cx="2667699" cy="369332"/>
-          </a:xfrm>
-          <a:prstGeom prst="rect">
-            <a:avLst/>
-          </a:prstGeom>
-          <a:noFill/>
-        </p:spPr>
-        <p:txBody>
-          <a:bodyPr wrap="square" rtlCol="0">
-            <a:spAutoFit/>
-          </a:bodyPr>
-          <a:lstStyle/>
-          <a:p>
-            <a:r>
-              <a:rPr lang="ko-KR" altLang="en-US" dirty="0"/>
-              <a:t>아귀의 </a:t>
-            </a:r>
-            <a:r>
-              <a:rPr lang="ko-KR" altLang="en-US" dirty="0" err="1"/>
-              <a:t>썬글라스</a:t>
-            </a:r>
-            <a:endParaRPr lang="ko-KR" altLang="en-US" dirty="0"/>
-          </a:p>
-        </p:txBody>
-      </p:sp>
-      <p:sp>
-        <p:nvSpPr>
-          <p:cNvPr id="4" name="TextBox 3">
-            <a:extLst>
-              <a:ext uri="{FF2B5EF4-FFF2-40B4-BE49-F238E27FC236}">
-                <a16:creationId xmlns:a16="http://schemas.microsoft.com/office/drawing/2014/main" id="{2115E22B-9193-4A64-A21C-B4411C568649}"/>
-              </a:ext>
-            </a:extLst>
-          </p:cNvPr>
-          <p:cNvSpPr txBox="1"/>
-          <p:nvPr/>
-        </p:nvSpPr>
-        <p:spPr>
-          <a:xfrm>
-            <a:off x="8498048" y="5855516"/>
-            <a:ext cx="3306843" cy="369332"/>
-          </a:xfrm>
-          <a:prstGeom prst="rect">
-            <a:avLst/>
-          </a:prstGeom>
-          <a:noFill/>
-        </p:spPr>
-        <p:txBody>
-          <a:bodyPr wrap="square" rtlCol="0">
-            <a:spAutoFit/>
-          </a:bodyPr>
-          <a:lstStyle/>
-          <a:p>
-            <a:r>
-              <a:rPr lang="ko-KR" altLang="en-US" dirty="0"/>
-              <a:t>정마담의 꽃무늬 원피스</a:t>
-            </a:r>
+              <a:rPr lang="ko-KR" altLang="en-US" dirty="0" smtClean="0"/>
+              <a:t>왼쪽부터 기본캐릭터 </a:t>
+            </a:r>
+            <a:r>
+              <a:rPr lang="en-US" altLang="ko-KR" dirty="0" smtClean="0"/>
+              <a:t>, </a:t>
+            </a:r>
+            <a:r>
+              <a:rPr lang="ko-KR" altLang="en-US" dirty="0" smtClean="0"/>
+              <a:t>오른쪽 </a:t>
+            </a:r>
+            <a:r>
+              <a:rPr lang="ko-KR" altLang="en-US" dirty="0" err="1" smtClean="0"/>
+              <a:t>두개</a:t>
+            </a:r>
+            <a:r>
+              <a:rPr lang="ko-KR" altLang="en-US" dirty="0" smtClean="0"/>
+              <a:t>  </a:t>
+            </a:r>
+            <a:r>
+              <a:rPr lang="ko-KR" altLang="en-US" dirty="0" err="1" smtClean="0"/>
+              <a:t>에셋스토어</a:t>
+            </a:r>
+            <a:r>
+              <a:rPr lang="ko-KR" altLang="en-US" dirty="0" smtClean="0"/>
+              <a:t> 구매 캐릭터 </a:t>
+            </a:r>
+            <a:endParaRPr lang="en-US" altLang="ko-KR" dirty="0" smtClean="0"/>
+          </a:p>
+          <a:p>
+            <a:endParaRPr lang="en-US" altLang="ko-KR" dirty="0"/>
+          </a:p>
+          <a:p>
+            <a:pPr marL="285750" indent="-285750">
+              <a:buFontTx/>
+              <a:buChar char="-"/>
+            </a:pPr>
+            <a:r>
+              <a:rPr lang="ko-KR" altLang="en-US" dirty="0" smtClean="0"/>
+              <a:t>기본캐릭터 변경의향 있음</a:t>
+            </a:r>
+            <a:endParaRPr lang="en-US" altLang="ko-KR" dirty="0" smtClean="0"/>
+          </a:p>
+          <a:p>
+            <a:pPr marL="285750" indent="-285750">
+              <a:buFontTx/>
+              <a:buChar char="-"/>
+            </a:pPr>
+            <a:endParaRPr lang="en-US" altLang="ko-KR" dirty="0"/>
+          </a:p>
+          <a:p>
+            <a:endParaRPr lang="en-US" altLang="ko-KR" dirty="0" smtClean="0"/>
+          </a:p>
+          <a:p>
+            <a:endParaRPr lang="en-US" altLang="ko-KR" dirty="0"/>
+          </a:p>
+          <a:p>
+            <a:r>
+              <a:rPr lang="ko-KR" altLang="en-US" dirty="0" err="1" smtClean="0"/>
+              <a:t>게임속</a:t>
+            </a:r>
+            <a:r>
+              <a:rPr lang="ko-KR" altLang="en-US" dirty="0" smtClean="0"/>
+              <a:t> 캐릭터 </a:t>
+            </a:r>
+            <a:r>
+              <a:rPr lang="en-US" altLang="ko-KR" dirty="0" smtClean="0"/>
+              <a:t>view </a:t>
+            </a:r>
+            <a:r>
+              <a:rPr lang="ko-KR" altLang="en-US" dirty="0" smtClean="0"/>
+              <a:t>는 총 </a:t>
+            </a:r>
+            <a:r>
+              <a:rPr lang="en-US" altLang="ko-KR" dirty="0" smtClean="0"/>
+              <a:t>3 </a:t>
+            </a:r>
+            <a:r>
+              <a:rPr lang="ko-KR" altLang="en-US" dirty="0" smtClean="0"/>
+              <a:t>종류 </a:t>
+            </a:r>
+            <a:endParaRPr lang="en-US" altLang="ko-KR" dirty="0" smtClean="0"/>
+          </a:p>
+          <a:p>
+            <a:endParaRPr lang="en-US" altLang="ko-KR" dirty="0"/>
+          </a:p>
+          <a:p>
+            <a:pPr marL="342900" indent="-342900">
+              <a:buAutoNum type="arabicPeriod"/>
+            </a:pPr>
+            <a:r>
+              <a:rPr lang="ko-KR" altLang="en-US" dirty="0" smtClean="0"/>
+              <a:t> 로비 </a:t>
+            </a:r>
+            <a:endParaRPr lang="en-US" altLang="ko-KR" dirty="0" smtClean="0"/>
+          </a:p>
+          <a:p>
+            <a:pPr marL="342900" indent="-342900">
+              <a:buAutoNum type="arabicPeriod"/>
+            </a:pPr>
+            <a:endParaRPr lang="en-US" altLang="ko-KR" dirty="0"/>
+          </a:p>
+          <a:p>
+            <a:pPr marL="342900" indent="-342900">
+              <a:buAutoNum type="arabicPeriod"/>
+            </a:pPr>
+            <a:r>
+              <a:rPr lang="en-US" altLang="ko-KR" dirty="0"/>
+              <a:t> </a:t>
+            </a:r>
+            <a:r>
+              <a:rPr lang="ko-KR" altLang="en-US" dirty="0" smtClean="0"/>
+              <a:t>카드 게임  </a:t>
+            </a:r>
+            <a:r>
+              <a:rPr lang="en-US" altLang="ko-KR" dirty="0" smtClean="0"/>
+              <a:t>View</a:t>
+            </a:r>
+          </a:p>
+          <a:p>
+            <a:pPr marL="342900" indent="-342900">
+              <a:buAutoNum type="arabicPeriod"/>
+            </a:pPr>
+            <a:endParaRPr lang="en-US" altLang="ko-KR" dirty="0"/>
+          </a:p>
+          <a:p>
+            <a:pPr marL="342900" indent="-342900">
+              <a:buAutoNum type="arabicPeriod"/>
+            </a:pPr>
+            <a:r>
+              <a:rPr lang="en-US" altLang="ko-KR" dirty="0" smtClean="0"/>
+              <a:t>  </a:t>
+            </a:r>
+            <a:r>
+              <a:rPr lang="ko-KR" altLang="en-US" dirty="0" smtClean="0"/>
+              <a:t>스포츠 게임  </a:t>
+            </a:r>
+            <a:r>
+              <a:rPr lang="en-US" altLang="ko-KR" dirty="0" smtClean="0"/>
+              <a:t>View </a:t>
+            </a:r>
+            <a:endParaRPr lang="en-US" altLang="ko-KR" dirty="0"/>
           </a:p>
         </p:txBody>
       </p:sp>
     </p:spTree>
     <p:extLst>
       <p:ext uri="{BB962C8B-B14F-4D97-AF65-F5344CB8AC3E}">
-        <p14:creationId xmlns:p14="http://schemas.microsoft.com/office/powerpoint/2010/main" val="199872046"/>
+        <p14:creationId xmlns:p14="http://schemas.microsoft.com/office/powerpoint/2010/main" val="2558612278"/>
       </p:ext>
     </p:extLst>
   </p:cSld>
@@ -3779,13 +3738,7 @@
       </p:grpSpPr>
       <p:sp>
         <p:nvSpPr>
-          <p:cNvPr id="2" name="제목 1">
-            <a:extLst>
-              <a:ext uri="{FF2B5EF4-FFF2-40B4-BE49-F238E27FC236}">
-                <a16:creationId xmlns:a16="http://schemas.microsoft.com/office/drawing/2014/main" id="{244C2303-21A2-4026-A7E2-DED856BC1661}"/>
-              </a:ext>
-            </a:extLst>
-          </p:cNvPr>
+          <p:cNvPr id="2" name="제목 1"/>
           <p:cNvSpPr>
             <a:spLocks noGrp="1"/>
           </p:cNvSpPr>
@@ -3793,33 +3746,314 @@
             <p:ph type="title"/>
           </p:nvPr>
         </p:nvSpPr>
-        <p:spPr/>
-        <p:txBody>
-          <a:bodyPr/>
-          <a:lstStyle/>
-          <a:p>
-            <a:r>
-              <a:rPr lang="ko-KR" altLang="en-US" dirty="0"/>
-              <a:t>한국 배경</a:t>
-            </a:r>
+        <p:spPr>
+          <a:xfrm>
+            <a:off x="6260805" y="1832417"/>
+            <a:ext cx="3584944" cy="1325563"/>
+          </a:xfrm>
+        </p:spPr>
+        <p:txBody>
+          <a:bodyPr/>
+          <a:lstStyle/>
+          <a:p>
+            <a:r>
+              <a:rPr lang="en-US" altLang="ko-KR" dirty="0" smtClean="0"/>
+              <a:t>Lobby view</a:t>
+            </a:r>
+            <a:endParaRPr lang="ko-KR" altLang="en-US" dirty="0"/>
           </a:p>
         </p:txBody>
       </p:sp>
       <p:pic>
         <p:nvPicPr>
-          <p:cNvPr id="5" name="내용 개체 틀 4">
-            <a:extLst>
-              <a:ext uri="{FF2B5EF4-FFF2-40B4-BE49-F238E27FC236}">
-                <a16:creationId xmlns:a16="http://schemas.microsoft.com/office/drawing/2014/main" id="{43F82C24-85BD-439A-A647-C85FDD5D0482}"/>
-              </a:ext>
-            </a:extLst>
-          </p:cNvPr>
+          <p:cNvPr id="5122" name="Picture 2" descr="C:\Users\goldenboy\Desktop\lobby.png"/>
           <p:cNvPicPr>
-            <a:picLocks noGrp="1" noChangeAspect="1"/>
+            <a:picLocks noChangeAspect="1" noChangeArrowheads="1"/>
           </p:cNvPicPr>
-          <p:nvPr>
-            <p:ph idx="1"/>
-          </p:nvPr>
+          <p:nvPr/>
+        </p:nvPicPr>
+        <p:blipFill>
+          <a:blip r:embed="rId2">
+            <a:extLst>
+              <a:ext uri="{28A0092B-C50C-407E-A947-70E740481C1C}">
+                <a14:useLocalDpi xmlns:a14="http://schemas.microsoft.com/office/drawing/2010/main" val="0"/>
+              </a:ext>
+            </a:extLst>
+          </a:blip>
+          <a:srcRect/>
+          <a:stretch>
+            <a:fillRect/>
+          </a:stretch>
+        </p:blipFill>
+        <p:spPr bwMode="auto">
+          <a:xfrm>
+            <a:off x="1284177" y="659218"/>
+            <a:ext cx="3237937" cy="5486142"/>
+          </a:xfrm>
+          <a:prstGeom prst="rect">
+            <a:avLst/>
+          </a:prstGeom>
+          <a:noFill/>
+          <a:extLst>
+            <a:ext uri="{909E8E84-426E-40DD-AFC4-6F175D3DCCD1}">
+              <a14:hiddenFill xmlns:a14="http://schemas.microsoft.com/office/drawing/2010/main">
+                <a:solidFill>
+                  <a:srgbClr val="FFFFFF"/>
+                </a:solidFill>
+              </a14:hiddenFill>
+            </a:ext>
+          </a:extLst>
+        </p:spPr>
+      </p:pic>
+    </p:spTree>
+    <p:extLst>
+      <p:ext uri="{BB962C8B-B14F-4D97-AF65-F5344CB8AC3E}">
+        <p14:creationId xmlns:p14="http://schemas.microsoft.com/office/powerpoint/2010/main" val="3964674112"/>
+      </p:ext>
+    </p:extLst>
+  </p:cSld>
+  <p:clrMapOvr>
+    <a:masterClrMapping/>
+  </p:clrMapOvr>
+</p:sld>
+</file>
+
+<file path=ppt/slides/slide5.xml><?xml version="1.0" encoding="utf-8"?>
+<p:sld xmlns:a="http://schemas.openxmlformats.org/drawingml/2006/main" xmlns:r="http://schemas.openxmlformats.org/officeDocument/2006/relationships" xmlns:p="http://schemas.openxmlformats.org/presentationml/2006/main">
+  <p:cSld>
+    <p:spTree>
+      <p:nvGrpSpPr>
+        <p:cNvPr id="1" name=""/>
+        <p:cNvGrpSpPr/>
+        <p:nvPr/>
+      </p:nvGrpSpPr>
+      <p:grpSpPr>
+        <a:xfrm>
+          <a:off x="0" y="0"/>
+          <a:ext cx="0" cy="0"/>
+          <a:chOff x="0" y="0"/>
+          <a:chExt cx="0" cy="0"/>
+        </a:xfrm>
+      </p:grpSpPr>
+      <p:sp>
+        <p:nvSpPr>
+          <p:cNvPr id="2" name="제목 1"/>
+          <p:cNvSpPr>
+            <a:spLocks noGrp="1"/>
+          </p:cNvSpPr>
+          <p:nvPr>
+            <p:ph type="title"/>
+          </p:nvPr>
+        </p:nvSpPr>
+        <p:spPr>
+          <a:xfrm>
+            <a:off x="6271437" y="2087599"/>
+            <a:ext cx="3563679" cy="1325563"/>
+          </a:xfrm>
+        </p:spPr>
+        <p:txBody>
+          <a:bodyPr/>
+          <a:lstStyle/>
+          <a:p>
+            <a:r>
+              <a:rPr lang="ko-KR" altLang="en-US" dirty="0" smtClean="0"/>
+              <a:t>게임 </a:t>
+            </a:r>
+            <a:r>
+              <a:rPr lang="en-US" altLang="ko-KR" dirty="0" smtClean="0"/>
+              <a:t>View 1</a:t>
+            </a:r>
+            <a:endParaRPr lang="ko-KR" altLang="en-US" dirty="0"/>
+          </a:p>
+        </p:txBody>
+      </p:sp>
+      <p:pic>
+        <p:nvPicPr>
+          <p:cNvPr id="4" name="Picture 2" descr="C:\Users\goldenboy\Desktop\InGame.png"/>
+          <p:cNvPicPr>
+            <a:picLocks noChangeAspect="1" noChangeArrowheads="1"/>
+          </p:cNvPicPr>
+          <p:nvPr/>
+        </p:nvPicPr>
+        <p:blipFill>
+          <a:blip r:embed="rId2">
+            <a:extLst>
+              <a:ext uri="{28A0092B-C50C-407E-A947-70E740481C1C}">
+                <a14:useLocalDpi xmlns:a14="http://schemas.microsoft.com/office/drawing/2010/main" val="0"/>
+              </a:ext>
+            </a:extLst>
+          </a:blip>
+          <a:srcRect/>
+          <a:stretch>
+            <a:fillRect/>
+          </a:stretch>
+        </p:blipFill>
+        <p:spPr bwMode="auto">
+          <a:xfrm>
+            <a:off x="563525" y="329610"/>
+            <a:ext cx="5071731" cy="6397707"/>
+          </a:xfrm>
+          <a:prstGeom prst="rect">
+            <a:avLst/>
+          </a:prstGeom>
+          <a:noFill/>
+          <a:extLst>
+            <a:ext uri="{909E8E84-426E-40DD-AFC4-6F175D3DCCD1}">
+              <a14:hiddenFill xmlns:a14="http://schemas.microsoft.com/office/drawing/2010/main">
+                <a:solidFill>
+                  <a:srgbClr val="FFFFFF"/>
+                </a:solidFill>
+              </a14:hiddenFill>
+            </a:ext>
+          </a:extLst>
+        </p:spPr>
+      </p:pic>
+    </p:spTree>
+    <p:extLst>
+      <p:ext uri="{BB962C8B-B14F-4D97-AF65-F5344CB8AC3E}">
+        <p14:creationId xmlns:p14="http://schemas.microsoft.com/office/powerpoint/2010/main" val="855949429"/>
+      </p:ext>
+    </p:extLst>
+  </p:cSld>
+  <p:clrMapOvr>
+    <a:masterClrMapping/>
+  </p:clrMapOvr>
+</p:sld>
+</file>
+
+<file path=ppt/slides/slide6.xml><?xml version="1.0" encoding="utf-8"?>
+<p:sld xmlns:a="http://schemas.openxmlformats.org/drawingml/2006/main" xmlns:r="http://schemas.openxmlformats.org/officeDocument/2006/relationships" xmlns:p="http://schemas.openxmlformats.org/presentationml/2006/main">
+  <p:cSld>
+    <p:spTree>
+      <p:nvGrpSpPr>
+        <p:cNvPr id="1" name=""/>
+        <p:cNvGrpSpPr/>
+        <p:nvPr/>
+      </p:nvGrpSpPr>
+      <p:grpSpPr>
+        <a:xfrm>
+          <a:off x="0" y="0"/>
+          <a:ext cx="0" cy="0"/>
+          <a:chOff x="0" y="0"/>
+          <a:chExt cx="0" cy="0"/>
+        </a:xfrm>
+      </p:grpSpPr>
+      <p:sp>
+        <p:nvSpPr>
+          <p:cNvPr id="2" name="제목 1"/>
+          <p:cNvSpPr>
+            <a:spLocks noGrp="1"/>
+          </p:cNvSpPr>
+          <p:nvPr>
+            <p:ph type="title"/>
+          </p:nvPr>
+        </p:nvSpPr>
+        <p:spPr>
+          <a:xfrm>
+            <a:off x="6271437" y="2087599"/>
+            <a:ext cx="3563679" cy="1325563"/>
+          </a:xfrm>
+        </p:spPr>
+        <p:txBody>
+          <a:bodyPr/>
+          <a:lstStyle/>
+          <a:p>
+            <a:r>
+              <a:rPr lang="ko-KR" altLang="en-US" dirty="0" smtClean="0"/>
+              <a:t>게임 </a:t>
+            </a:r>
+            <a:r>
+              <a:rPr lang="en-US" altLang="ko-KR" dirty="0" smtClean="0"/>
+              <a:t>View  2</a:t>
+            </a:r>
+            <a:endParaRPr lang="ko-KR" altLang="en-US" dirty="0"/>
+          </a:p>
+        </p:txBody>
+      </p:sp>
+      <p:pic>
+        <p:nvPicPr>
+          <p:cNvPr id="4098" name="Picture 2" descr="C:\Users\goldenboy\Desktop\게임화면.png"/>
+          <p:cNvPicPr>
+            <a:picLocks noChangeAspect="1" noChangeArrowheads="1"/>
+          </p:cNvPicPr>
+          <p:nvPr/>
+        </p:nvPicPr>
+        <p:blipFill>
+          <a:blip r:embed="rId2">
+            <a:extLst>
+              <a:ext uri="{28A0092B-C50C-407E-A947-70E740481C1C}">
+                <a14:useLocalDpi xmlns:a14="http://schemas.microsoft.com/office/drawing/2010/main" val="0"/>
+              </a:ext>
+            </a:extLst>
+          </a:blip>
+          <a:srcRect/>
+          <a:stretch>
+            <a:fillRect/>
+          </a:stretch>
+        </p:blipFill>
+        <p:spPr bwMode="auto">
+          <a:xfrm>
+            <a:off x="662024" y="414670"/>
+            <a:ext cx="4593645" cy="6216909"/>
+          </a:xfrm>
+          <a:prstGeom prst="rect">
+            <a:avLst/>
+          </a:prstGeom>
+          <a:noFill/>
+          <a:extLst>
+            <a:ext uri="{909E8E84-426E-40DD-AFC4-6F175D3DCCD1}">
+              <a14:hiddenFill xmlns:a14="http://schemas.microsoft.com/office/drawing/2010/main">
+                <a:solidFill>
+                  <a:srgbClr val="FFFFFF"/>
+                </a:solidFill>
+              </a14:hiddenFill>
+            </a:ext>
+          </a:extLst>
+        </p:spPr>
+      </p:pic>
+    </p:spTree>
+    <p:extLst>
+      <p:ext uri="{BB962C8B-B14F-4D97-AF65-F5344CB8AC3E}">
+        <p14:creationId xmlns:p14="http://schemas.microsoft.com/office/powerpoint/2010/main" val="1841847707"/>
+      </p:ext>
+    </p:extLst>
+  </p:cSld>
+  <p:clrMapOvr>
+    <a:masterClrMapping/>
+  </p:clrMapOvr>
+</p:sld>
+</file>
+
+<file path=ppt/slides/slide7.xml><?xml version="1.0" encoding="utf-8"?>
+<p:sld xmlns:a="http://schemas.openxmlformats.org/drawingml/2006/main" xmlns:r="http://schemas.openxmlformats.org/officeDocument/2006/relationships" xmlns:p="http://schemas.openxmlformats.org/presentationml/2006/main">
+  <p:cSld>
+    <p:spTree>
+      <p:nvGrpSpPr>
+        <p:cNvPr id="1" name=""/>
+        <p:cNvGrpSpPr/>
+        <p:nvPr/>
+      </p:nvGrpSpPr>
+      <p:grpSpPr>
+        <a:xfrm>
+          <a:off x="0" y="0"/>
+          <a:ext cx="0" cy="0"/>
+          <a:chOff x="0" y="0"/>
+          <a:chExt cx="0" cy="0"/>
+        </a:xfrm>
+      </p:grpSpPr>
+      <p:pic>
+        <p:nvPicPr>
+          <p:cNvPr id="5" name="그림 4">
+            <a:extLst>
+              <a:ext uri="{FF2B5EF4-FFF2-40B4-BE49-F238E27FC236}">
+                <a16:creationId xmlns:a16="http://schemas.microsoft.com/office/drawing/2014/main" xmlns="" id="{AEBA9BB2-68B6-4D62-BDF8-D689056C8F91}"/>
+              </a:ext>
+            </a:extLst>
+          </p:cNvPr>
+          <p:cNvPicPr>
+            <a:picLocks noChangeAspect="1"/>
+          </p:cNvPicPr>
+          <p:nvPr/>
         </p:nvPicPr>
         <p:blipFill>
           <a:blip r:embed="rId2">
@@ -3835,9 +4069,12 @@
         </p:blipFill>
         <p:spPr>
           <a:xfrm>
-            <a:off x="1052660" y="1876847"/>
-            <a:ext cx="6747862" cy="4351338"/>
+            <a:off x="2037338" y="1716762"/>
+            <a:ext cx="2657846" cy="3801005"/>
           </a:xfrm>
+          <a:prstGeom prst="rect">
+            <a:avLst/>
+          </a:prstGeom>
         </p:spPr>
       </p:pic>
       <p:pic>
@@ -3845,7 +4082,7 @@
           <p:cNvPr id="7" name="그림 6">
             <a:extLst>
               <a:ext uri="{FF2B5EF4-FFF2-40B4-BE49-F238E27FC236}">
-                <a16:creationId xmlns:a16="http://schemas.microsoft.com/office/drawing/2014/main" id="{7A58DCEA-4FE7-49DF-86D4-63487F51DEA5}"/>
+                <a16:creationId xmlns:a16="http://schemas.microsoft.com/office/drawing/2014/main" xmlns="" id="{E94DCACD-AABB-44F4-AA25-791896C28AE8}"/>
               </a:ext>
             </a:extLst>
           </p:cNvPr>
@@ -3868,14 +4105,327 @@
         </p:blipFill>
         <p:spPr>
           <a:xfrm>
-            <a:off x="8686428" y="365125"/>
-            <a:ext cx="2667372" cy="6049219"/>
+            <a:off x="7001536" y="1716762"/>
+            <a:ext cx="3867690" cy="3705742"/>
           </a:xfrm>
           <a:prstGeom prst="rect">
             <a:avLst/>
           </a:prstGeom>
         </p:spPr>
       </p:pic>
+      <p:sp>
+        <p:nvSpPr>
+          <p:cNvPr id="2" name="TextBox 1">
+            <a:extLst>
+              <a:ext uri="{FF2B5EF4-FFF2-40B4-BE49-F238E27FC236}">
+                <a16:creationId xmlns:a16="http://schemas.microsoft.com/office/drawing/2014/main" xmlns="" id="{A3ECFA3F-54E5-49C3-81D1-0530169E220B}"/>
+              </a:ext>
+            </a:extLst>
+          </p:cNvPr>
+          <p:cNvSpPr txBox="1"/>
+          <p:nvPr/>
+        </p:nvSpPr>
+        <p:spPr>
+          <a:xfrm>
+            <a:off x="2144850" y="5915842"/>
+            <a:ext cx="3439486" cy="369332"/>
+          </a:xfrm>
+          <a:prstGeom prst="rect">
+            <a:avLst/>
+          </a:prstGeom>
+          <a:noFill/>
+        </p:spPr>
+        <p:txBody>
+          <a:bodyPr wrap="square" rtlCol="0">
+            <a:spAutoFit/>
+          </a:bodyPr>
+          <a:lstStyle/>
+          <a:p>
+            <a:r>
+              <a:rPr lang="ko-KR" altLang="en-US" dirty="0"/>
+              <a:t>고니의 빨간 마이</a:t>
+            </a:r>
+          </a:p>
+        </p:txBody>
+      </p:sp>
+      <p:sp>
+        <p:nvSpPr>
+          <p:cNvPr id="3" name="TextBox 2">
+            <a:extLst>
+              <a:ext uri="{FF2B5EF4-FFF2-40B4-BE49-F238E27FC236}">
+                <a16:creationId xmlns:a16="http://schemas.microsoft.com/office/drawing/2014/main" xmlns="" id="{94D8A36C-9473-49B9-83E9-C884C7DCB002}"/>
+              </a:ext>
+            </a:extLst>
+          </p:cNvPr>
+          <p:cNvSpPr txBox="1"/>
+          <p:nvPr/>
+        </p:nvSpPr>
+        <p:spPr>
+          <a:xfrm>
+            <a:off x="7909335" y="5701121"/>
+            <a:ext cx="2667699" cy="369332"/>
+          </a:xfrm>
+          <a:prstGeom prst="rect">
+            <a:avLst/>
+          </a:prstGeom>
+          <a:noFill/>
+        </p:spPr>
+        <p:txBody>
+          <a:bodyPr wrap="square" rtlCol="0">
+            <a:spAutoFit/>
+          </a:bodyPr>
+          <a:lstStyle/>
+          <a:p>
+            <a:r>
+              <a:rPr lang="ko-KR" altLang="en-US" dirty="0"/>
+              <a:t>아귀의 </a:t>
+            </a:r>
+            <a:r>
+              <a:rPr lang="ko-KR" altLang="en-US" dirty="0" err="1"/>
+              <a:t>썬글라스</a:t>
+            </a:r>
+            <a:endParaRPr lang="ko-KR" altLang="en-US" dirty="0"/>
+          </a:p>
+        </p:txBody>
+      </p:sp>
+      <p:sp>
+        <p:nvSpPr>
+          <p:cNvPr id="6" name="TextBox 5"/>
+          <p:cNvSpPr txBox="1"/>
+          <p:nvPr/>
+        </p:nvSpPr>
+        <p:spPr>
+          <a:xfrm>
+            <a:off x="1711842" y="276447"/>
+            <a:ext cx="8633637" cy="523220"/>
+          </a:xfrm>
+          <a:prstGeom prst="rect">
+            <a:avLst/>
+          </a:prstGeom>
+          <a:noFill/>
+        </p:spPr>
+        <p:txBody>
+          <a:bodyPr wrap="square" rtlCol="0">
+            <a:spAutoFit/>
+          </a:bodyPr>
+          <a:lstStyle/>
+          <a:p>
+            <a:r>
+              <a:rPr lang="ko-KR" altLang="en-US" sz="2800" dirty="0" smtClean="0"/>
+              <a:t>남자 캐릭터 </a:t>
+            </a:r>
+            <a:endParaRPr lang="ko-KR" altLang="en-US" sz="2800" dirty="0"/>
+          </a:p>
+        </p:txBody>
+      </p:sp>
+    </p:spTree>
+    <p:extLst>
+      <p:ext uri="{BB962C8B-B14F-4D97-AF65-F5344CB8AC3E}">
+        <p14:creationId xmlns:p14="http://schemas.microsoft.com/office/powerpoint/2010/main" val="199872046"/>
+      </p:ext>
+    </p:extLst>
+  </p:cSld>
+  <p:clrMapOvr>
+    <a:masterClrMapping/>
+  </p:clrMapOvr>
+</p:sld>
+</file>
+
+<file path=ppt/slides/slide8.xml><?xml version="1.0" encoding="utf-8"?>
+<p:sld xmlns:a="http://schemas.openxmlformats.org/drawingml/2006/main" xmlns:r="http://schemas.openxmlformats.org/officeDocument/2006/relationships" xmlns:p="http://schemas.openxmlformats.org/presentationml/2006/main">
+  <p:cSld>
+    <p:spTree>
+      <p:nvGrpSpPr>
+        <p:cNvPr id="1" name=""/>
+        <p:cNvGrpSpPr/>
+        <p:nvPr/>
+      </p:nvGrpSpPr>
+      <p:grpSpPr>
+        <a:xfrm>
+          <a:off x="0" y="0"/>
+          <a:ext cx="0" cy="0"/>
+          <a:chOff x="0" y="0"/>
+          <a:chExt cx="0" cy="0"/>
+        </a:xfrm>
+      </p:grpSpPr>
+      <p:sp>
+        <p:nvSpPr>
+          <p:cNvPr id="2" name="제목 1">
+            <a:extLst>
+              <a:ext uri="{FF2B5EF4-FFF2-40B4-BE49-F238E27FC236}">
+                <a16:creationId xmlns:a16="http://schemas.microsoft.com/office/drawing/2014/main" xmlns="" id="{244C2303-21A2-4026-A7E2-DED856BC1661}"/>
+              </a:ext>
+            </a:extLst>
+          </p:cNvPr>
+          <p:cNvSpPr>
+            <a:spLocks noGrp="1"/>
+          </p:cNvSpPr>
+          <p:nvPr>
+            <p:ph type="title"/>
+          </p:nvPr>
+        </p:nvSpPr>
+        <p:spPr>
+          <a:xfrm>
+            <a:off x="540488" y="152474"/>
+            <a:ext cx="4095307" cy="1006475"/>
+          </a:xfrm>
+        </p:spPr>
+        <p:txBody>
+          <a:bodyPr>
+            <a:normAutofit/>
+          </a:bodyPr>
+          <a:lstStyle/>
+          <a:p>
+            <a:r>
+              <a:rPr lang="ko-KR" altLang="en-US" dirty="0" smtClean="0"/>
+              <a:t>여자 캐릭터</a:t>
+            </a:r>
+            <a:endParaRPr lang="ko-KR" altLang="en-US" dirty="0"/>
+          </a:p>
+        </p:txBody>
+      </p:sp>
+      <p:pic>
+        <p:nvPicPr>
+          <p:cNvPr id="1027" name="Picture 3" descr="C:\Users\goldenboy\Desktop\S36rZlaCSqiAbNbXAANhVXIDJlg58.jpeg"/>
+          <p:cNvPicPr>
+            <a:picLocks noChangeAspect="1" noChangeArrowheads="1"/>
+          </p:cNvPicPr>
+          <p:nvPr/>
+        </p:nvPicPr>
+        <p:blipFill>
+          <a:blip r:embed="rId2">
+            <a:extLst>
+              <a:ext uri="{28A0092B-C50C-407E-A947-70E740481C1C}">
+                <a14:useLocalDpi xmlns:a14="http://schemas.microsoft.com/office/drawing/2010/main" val="0"/>
+              </a:ext>
+            </a:extLst>
+          </a:blip>
+          <a:srcRect/>
+          <a:stretch>
+            <a:fillRect/>
+          </a:stretch>
+        </p:blipFill>
+        <p:spPr bwMode="auto">
+          <a:xfrm>
+            <a:off x="709982" y="1292263"/>
+            <a:ext cx="3238500" cy="5305425"/>
+          </a:xfrm>
+          <a:prstGeom prst="rect">
+            <a:avLst/>
+          </a:prstGeom>
+          <a:noFill/>
+          <a:extLst>
+            <a:ext uri="{909E8E84-426E-40DD-AFC4-6F175D3DCCD1}">
+              <a14:hiddenFill xmlns:a14="http://schemas.microsoft.com/office/drawing/2010/main">
+                <a:solidFill>
+                  <a:srgbClr val="FFFFFF"/>
+                </a:solidFill>
+              </a14:hiddenFill>
+            </a:ext>
+          </a:extLst>
+        </p:spPr>
+      </p:pic>
+      <p:pic>
+        <p:nvPicPr>
+          <p:cNvPr id="8" name="그림 7">
+            <a:extLst>
+              <a:ext uri="{FF2B5EF4-FFF2-40B4-BE49-F238E27FC236}">
+                <a16:creationId xmlns:a16="http://schemas.microsoft.com/office/drawing/2014/main" xmlns="" id="{59E58DDA-D63D-4CA1-851B-6D290444CEF9}"/>
+              </a:ext>
+            </a:extLst>
+          </p:cNvPr>
+          <p:cNvPicPr>
+            <a:picLocks noChangeAspect="1"/>
+          </p:cNvPicPr>
+          <p:nvPr/>
+        </p:nvPicPr>
+        <p:blipFill>
+          <a:blip r:embed="rId3">
+            <a:extLst>
+              <a:ext uri="{28A0092B-C50C-407E-A947-70E740481C1C}">
+                <a14:useLocalDpi xmlns:a14="http://schemas.microsoft.com/office/drawing/2010/main" val="0"/>
+              </a:ext>
+            </a:extLst>
+          </a:blip>
+          <a:stretch>
+            <a:fillRect/>
+          </a:stretch>
+        </p:blipFill>
+        <p:spPr>
+          <a:xfrm>
+            <a:off x="7395293" y="1292263"/>
+            <a:ext cx="4667901" cy="3334215"/>
+          </a:xfrm>
+          <a:prstGeom prst="rect">
+            <a:avLst/>
+          </a:prstGeom>
+        </p:spPr>
+      </p:pic>
+      <p:sp>
+        <p:nvSpPr>
+          <p:cNvPr id="9" name="TextBox 8">
+            <a:extLst>
+              <a:ext uri="{FF2B5EF4-FFF2-40B4-BE49-F238E27FC236}">
+                <a16:creationId xmlns:a16="http://schemas.microsoft.com/office/drawing/2014/main" xmlns="" id="{2115E22B-9193-4A64-A21C-B4411C568649}"/>
+              </a:ext>
+            </a:extLst>
+          </p:cNvPr>
+          <p:cNvSpPr txBox="1"/>
+          <p:nvPr/>
+        </p:nvSpPr>
+        <p:spPr>
+          <a:xfrm>
+            <a:off x="8075821" y="4887361"/>
+            <a:ext cx="3306843" cy="369332"/>
+          </a:xfrm>
+          <a:prstGeom prst="rect">
+            <a:avLst/>
+          </a:prstGeom>
+          <a:noFill/>
+        </p:spPr>
+        <p:txBody>
+          <a:bodyPr wrap="square" rtlCol="0">
+            <a:spAutoFit/>
+          </a:bodyPr>
+          <a:lstStyle/>
+          <a:p>
+            <a:r>
+              <a:rPr lang="ko-KR" altLang="en-US" dirty="0"/>
+              <a:t>정마담의 꽃무늬 원피스</a:t>
+            </a:r>
+          </a:p>
+        </p:txBody>
+      </p:sp>
+      <p:sp>
+        <p:nvSpPr>
+          <p:cNvPr id="4" name="TextBox 3"/>
+          <p:cNvSpPr txBox="1"/>
+          <p:nvPr/>
+        </p:nvSpPr>
+        <p:spPr>
+          <a:xfrm>
+            <a:off x="4104167" y="1509823"/>
+            <a:ext cx="2541182" cy="369332"/>
+          </a:xfrm>
+          <a:prstGeom prst="rect">
+            <a:avLst/>
+          </a:prstGeom>
+          <a:noFill/>
+        </p:spPr>
+        <p:txBody>
+          <a:bodyPr wrap="square" rtlCol="0">
+            <a:spAutoFit/>
+          </a:bodyPr>
+          <a:lstStyle/>
+          <a:p>
+            <a:r>
+              <a:rPr lang="ko-KR" altLang="en-US" dirty="0" smtClean="0"/>
+              <a:t>한복 캐릭터</a:t>
+            </a:r>
+            <a:endParaRPr lang="ko-KR" altLang="en-US" dirty="0"/>
+          </a:p>
+        </p:txBody>
+      </p:sp>
     </p:spTree>
     <p:extLst>
       <p:ext uri="{BB962C8B-B14F-4D97-AF65-F5344CB8AC3E}">
@@ -3932,7 +4482,7 @@
     </a:clrScheme>
     <a:fontScheme name="Office">
       <a:majorFont>
-        <a:latin typeface="맑은 고딕" panose="020F0302020204030204"/>
+        <a:latin typeface="맑은 고딕"/>
         <a:ea typeface=""/>
         <a:cs typeface=""/>
         <a:font script="Jpan" typeface="游ゴシック Light"/>
@@ -3984,7 +4534,7 @@
         <a:font script="Tfng" typeface="Ebrima"/>
       </a:majorFont>
       <a:minorFont>
-        <a:latin typeface="맑은 고딕" panose="020F0502020204030204"/>
+        <a:latin typeface="맑은 고딕"/>
         <a:ea typeface=""/>
         <a:cs typeface=""/>
         <a:font script="Jpan" typeface="游ゴシック"/>
@@ -4178,7 +4728,7 @@
   <a:extraClrSchemeLst/>
   <a:extLst>
     <a:ext uri="{05A4C25C-085E-4340-85A3-A5531E510DB2}">
-      <thm15:themeFamily xmlns:thm15="http://schemas.microsoft.com/office/thememl/2012/main" name="Office Theme" id="{62F939B6-93AF-4DB8-9C6B-D6C7DFDC589F}" vid="{4A3C46E8-61CC-4603-A589-7422A47A8E4A}"/>
+      <thm15:themeFamily xmlns:thm15="http://schemas.microsoft.com/office/thememl/2012/main" xmlns="" name="Office Theme" id="{62F939B6-93AF-4DB8-9C6B-D6C7DFDC589F}" vid="{4A3C46E8-61CC-4603-A589-7422A47A8E4A}"/>
     </a:ext>
   </a:extLst>
 </a:theme>
